--- a/理想风驱动.pptx
+++ b/理想风驱动.pptx
@@ -10,6 +10,7 @@
     <p:sldId id="258" r:id="rId4"/>
     <p:sldId id="259" r:id="rId5"/>
     <p:sldId id="260" r:id="rId6"/>
+    <p:sldId id="261" r:id="rId7"/>
   </p:sldIdLst>
   <p:sldSz cx="12192000" cy="6858000"/>
   <p:notesSz cx="6858000" cy="9144000"/>
@@ -274,7 +275,7 @@
           <a:p>
             <a:fld id="{7A8D2564-D4BD-4B39-9CF1-C628194E47CC}" type="datetimeFigureOut">
               <a:rPr lang="zh-CN" altLang="en-US" smtClean="0"/>
-              <a:t>2025/3/16</a:t>
+              <a:t>2025/3/18</a:t>
             </a:fld>
             <a:endParaRPr lang="zh-CN" altLang="en-US"/>
           </a:p>
@@ -472,7 +473,7 @@
           <a:p>
             <a:fld id="{7A8D2564-D4BD-4B39-9CF1-C628194E47CC}" type="datetimeFigureOut">
               <a:rPr lang="zh-CN" altLang="en-US" smtClean="0"/>
-              <a:t>2025/3/16</a:t>
+              <a:t>2025/3/18</a:t>
             </a:fld>
             <a:endParaRPr lang="zh-CN" altLang="en-US"/>
           </a:p>
@@ -680,7 +681,7 @@
           <a:p>
             <a:fld id="{7A8D2564-D4BD-4B39-9CF1-C628194E47CC}" type="datetimeFigureOut">
               <a:rPr lang="zh-CN" altLang="en-US" smtClean="0"/>
-              <a:t>2025/3/16</a:t>
+              <a:t>2025/3/18</a:t>
             </a:fld>
             <a:endParaRPr lang="zh-CN" altLang="en-US"/>
           </a:p>
@@ -878,7 +879,7 @@
           <a:p>
             <a:fld id="{7A8D2564-D4BD-4B39-9CF1-C628194E47CC}" type="datetimeFigureOut">
               <a:rPr lang="zh-CN" altLang="en-US" smtClean="0"/>
-              <a:t>2025/3/16</a:t>
+              <a:t>2025/3/18</a:t>
             </a:fld>
             <a:endParaRPr lang="zh-CN" altLang="en-US"/>
           </a:p>
@@ -1153,7 +1154,7 @@
           <a:p>
             <a:fld id="{7A8D2564-D4BD-4B39-9CF1-C628194E47CC}" type="datetimeFigureOut">
               <a:rPr lang="zh-CN" altLang="en-US" smtClean="0"/>
-              <a:t>2025/3/16</a:t>
+              <a:t>2025/3/18</a:t>
             </a:fld>
             <a:endParaRPr lang="zh-CN" altLang="en-US"/>
           </a:p>
@@ -1418,7 +1419,7 @@
           <a:p>
             <a:fld id="{7A8D2564-D4BD-4B39-9CF1-C628194E47CC}" type="datetimeFigureOut">
               <a:rPr lang="zh-CN" altLang="en-US" smtClean="0"/>
-              <a:t>2025/3/16</a:t>
+              <a:t>2025/3/18</a:t>
             </a:fld>
             <a:endParaRPr lang="zh-CN" altLang="en-US"/>
           </a:p>
@@ -1830,7 +1831,7 @@
           <a:p>
             <a:fld id="{7A8D2564-D4BD-4B39-9CF1-C628194E47CC}" type="datetimeFigureOut">
               <a:rPr lang="zh-CN" altLang="en-US" smtClean="0"/>
-              <a:t>2025/3/16</a:t>
+              <a:t>2025/3/18</a:t>
             </a:fld>
             <a:endParaRPr lang="zh-CN" altLang="en-US"/>
           </a:p>
@@ -1971,7 +1972,7 @@
           <a:p>
             <a:fld id="{7A8D2564-D4BD-4B39-9CF1-C628194E47CC}" type="datetimeFigureOut">
               <a:rPr lang="zh-CN" altLang="en-US" smtClean="0"/>
-              <a:t>2025/3/16</a:t>
+              <a:t>2025/3/18</a:t>
             </a:fld>
             <a:endParaRPr lang="zh-CN" altLang="en-US"/>
           </a:p>
@@ -2084,7 +2085,7 @@
           <a:p>
             <a:fld id="{7A8D2564-D4BD-4B39-9CF1-C628194E47CC}" type="datetimeFigureOut">
               <a:rPr lang="zh-CN" altLang="en-US" smtClean="0"/>
-              <a:t>2025/3/16</a:t>
+              <a:t>2025/3/18</a:t>
             </a:fld>
             <a:endParaRPr lang="zh-CN" altLang="en-US"/>
           </a:p>
@@ -2395,7 +2396,7 @@
           <a:p>
             <a:fld id="{7A8D2564-D4BD-4B39-9CF1-C628194E47CC}" type="datetimeFigureOut">
               <a:rPr lang="zh-CN" altLang="en-US" smtClean="0"/>
-              <a:t>2025/3/16</a:t>
+              <a:t>2025/3/18</a:t>
             </a:fld>
             <a:endParaRPr lang="zh-CN" altLang="en-US"/>
           </a:p>
@@ -2683,7 +2684,7 @@
           <a:p>
             <a:fld id="{7A8D2564-D4BD-4B39-9CF1-C628194E47CC}" type="datetimeFigureOut">
               <a:rPr lang="zh-CN" altLang="en-US" smtClean="0"/>
-              <a:t>2025/3/16</a:t>
+              <a:t>2025/3/18</a:t>
             </a:fld>
             <a:endParaRPr lang="zh-CN" altLang="en-US"/>
           </a:p>
@@ -2924,7 +2925,7 @@
           <a:p>
             <a:fld id="{7A8D2564-D4BD-4B39-9CF1-C628194E47CC}" type="datetimeFigureOut">
               <a:rPr lang="zh-CN" altLang="en-US" smtClean="0"/>
-              <a:t>2025/3/16</a:t>
+              <a:t>2025/3/18</a:t>
             </a:fld>
             <a:endParaRPr lang="zh-CN" altLang="en-US"/>
           </a:p>
@@ -4633,6 +4634,120 @@
 </p:sld>
 </file>
 
+<file path=ppt/slides/slide6.xml><?xml version="1.0" encoding="utf-8"?>
+<p:sld xmlns:a="http://schemas.openxmlformats.org/drawingml/2006/main" xmlns:r="http://schemas.openxmlformats.org/officeDocument/2006/relationships" xmlns:p="http://schemas.openxmlformats.org/presentationml/2006/main">
+  <p:cSld>
+    <p:spTree>
+      <p:nvGrpSpPr>
+        <p:cNvPr id="1" name=""/>
+        <p:cNvGrpSpPr/>
+        <p:nvPr/>
+      </p:nvGrpSpPr>
+      <p:grpSpPr>
+        <a:xfrm>
+          <a:off x="0" y="0"/>
+          <a:ext cx="0" cy="0"/>
+          <a:chOff x="0" y="0"/>
+          <a:chExt cx="0" cy="0"/>
+        </a:xfrm>
+      </p:grpSpPr>
+      <p:sp>
+        <p:nvSpPr>
+          <p:cNvPr id="2" name="标题 1">
+            <a:extLst>
+              <a:ext uri="{FF2B5EF4-FFF2-40B4-BE49-F238E27FC236}">
+                <a16:creationId xmlns:a16="http://schemas.microsoft.com/office/drawing/2014/main" id="{FB9C7BEB-DD99-27F2-768E-A61F97AAB334}"/>
+              </a:ext>
+            </a:extLst>
+          </p:cNvPr>
+          <p:cNvSpPr>
+            <a:spLocks noGrp="1"/>
+          </p:cNvSpPr>
+          <p:nvPr>
+            <p:ph type="title"/>
+          </p:nvPr>
+        </p:nvSpPr>
+        <p:spPr/>
+        <p:txBody>
+          <a:bodyPr/>
+          <a:lstStyle/>
+          <a:p>
+            <a:endParaRPr lang="zh-CN" altLang="en-US"/>
+          </a:p>
+        </p:txBody>
+      </p:sp>
+      <p:pic>
+        <p:nvPicPr>
+          <p:cNvPr id="7" name="内容占位符 6">
+            <a:extLst>
+              <a:ext uri="{FF2B5EF4-FFF2-40B4-BE49-F238E27FC236}">
+                <a16:creationId xmlns:a16="http://schemas.microsoft.com/office/drawing/2014/main" id="{8354C135-7257-FCC3-91F0-9959C757909A}"/>
+              </a:ext>
+            </a:extLst>
+          </p:cNvPr>
+          <p:cNvPicPr>
+            <a:picLocks noGrp="1" noChangeAspect="1"/>
+          </p:cNvPicPr>
+          <p:nvPr>
+            <p:ph idx="1"/>
+          </p:nvPr>
+        </p:nvPicPr>
+        <p:blipFill>
+          <a:blip r:embed="rId2"/>
+          <a:stretch>
+            <a:fillRect/>
+          </a:stretch>
+        </p:blipFill>
+        <p:spPr>
+          <a:xfrm>
+            <a:off x="338265" y="3633624"/>
+            <a:ext cx="7281735" cy="2938385"/>
+          </a:xfrm>
+        </p:spPr>
+      </p:pic>
+      <p:pic>
+        <p:nvPicPr>
+          <p:cNvPr id="5" name="图片 4">
+            <a:extLst>
+              <a:ext uri="{FF2B5EF4-FFF2-40B4-BE49-F238E27FC236}">
+                <a16:creationId xmlns:a16="http://schemas.microsoft.com/office/drawing/2014/main" id="{2106E159-FB73-7D73-1D5A-9FC449764188}"/>
+              </a:ext>
+            </a:extLst>
+          </p:cNvPr>
+          <p:cNvPicPr>
+            <a:picLocks noChangeAspect="1"/>
+          </p:cNvPicPr>
+          <p:nvPr/>
+        </p:nvPicPr>
+        <p:blipFill>
+          <a:blip r:embed="rId3"/>
+          <a:stretch>
+            <a:fillRect/>
+          </a:stretch>
+        </p:blipFill>
+        <p:spPr>
+          <a:xfrm>
+            <a:off x="448565" y="285991"/>
+            <a:ext cx="6257035" cy="3295752"/>
+          </a:xfrm>
+          <a:prstGeom prst="rect">
+            <a:avLst/>
+          </a:prstGeom>
+        </p:spPr>
+      </p:pic>
+    </p:spTree>
+    <p:extLst>
+      <p:ext uri="{BB962C8B-B14F-4D97-AF65-F5344CB8AC3E}">
+        <p14:creationId xmlns:p14="http://schemas.microsoft.com/office/powerpoint/2010/main" val="1880160266"/>
+      </p:ext>
+    </p:extLst>
+  </p:cSld>
+  <p:clrMapOvr>
+    <a:masterClrMapping/>
+  </p:clrMapOvr>
+</p:sld>
+</file>
+
 <file path=ppt/theme/theme1.xml><?xml version="1.0" encoding="utf-8"?>
 <a:theme xmlns:a="http://schemas.openxmlformats.org/drawingml/2006/main" name="Office 主题​​">
   <a:themeElements>

--- a/理想风驱动.pptx
+++ b/理想风驱动.pptx
@@ -4,6 +4,9 @@
   <p:sldMasterIdLst>
     <p:sldMasterId id="2147483648" r:id="rId1"/>
   </p:sldMasterIdLst>
+  <p:notesMasterIdLst>
+    <p:notesMasterId r:id="rId11"/>
+  </p:notesMasterIdLst>
   <p:sldIdLst>
     <p:sldId id="256" r:id="rId2"/>
     <p:sldId id="257" r:id="rId3"/>
@@ -11,6 +14,9 @@
     <p:sldId id="259" r:id="rId5"/>
     <p:sldId id="260" r:id="rId6"/>
     <p:sldId id="261" r:id="rId7"/>
+    <p:sldId id="262" r:id="rId8"/>
+    <p:sldId id="264" r:id="rId9"/>
+    <p:sldId id="265" r:id="rId10"/>
   </p:sldIdLst>
   <p:sldSz cx="12192000" cy="6858000"/>
   <p:notesSz cx="6858000" cy="9144000"/>
@@ -126,6 +132,468 @@
     </p:ext>
   </p:extLst>
 </p:presentation>
+</file>
+
+<file path=ppt/ink/ink1.xml><?xml version="1.0" encoding="utf-8"?>
+<inkml:ink xmlns:inkml="http://www.w3.org/2003/InkML">
+  <inkml:definitions>
+    <inkml:context xml:id="ctx0">
+      <inkml:inkSource xml:id="inkSrc0">
+        <inkml:traceFormat>
+          <inkml:channel name="X" type="integer" max="3440" units="cm"/>
+          <inkml:channel name="Y" type="integer" max="1440" units="cm"/>
+          <inkml:channel name="T" type="integer" max="2.14748E9" units="dev"/>
+        </inkml:traceFormat>
+        <inkml:channelProperties>
+          <inkml:channelProperty channel="X" name="resolution" value="43.10777" units="1/cm"/>
+          <inkml:channelProperty channel="Y" name="resolution" value="43.11377" units="1/cm"/>
+          <inkml:channelProperty channel="T" name="resolution" value="1" units="1/dev"/>
+        </inkml:channelProperties>
+      </inkml:inkSource>
+      <inkml:timestamp xml:id="ts0" timeString="2025-03-18T06:04:17.783"/>
+    </inkml:context>
+    <inkml:brush xml:id="br0">
+      <inkml:brushProperty name="width" value="0.05292" units="cm"/>
+      <inkml:brushProperty name="height" value="0.05292" units="cm"/>
+      <inkml:brushProperty name="color" value="#FF0000"/>
+    </inkml:brush>
+  </inkml:definitions>
+  <inkml:trace contextRef="#ctx0" brushRef="#br0">17859 11800 0,'-13'14'62,"0"12"-31,-14 14-15,14 13 0,-40 105 15,40-91 0</inkml:trace>
+  <inkml:trace contextRef="#ctx0" brushRef="#br0" timeOffset="689.33">17925 11893 0,'0'0'0,"0"26"78,40 94-47,-14-68-15,27 41 15,-53-80-15,14-13 46,12-53-46,27-92-1,0-14 17,-40 106-17,-13 40 1,0-27 0,0 27-1,0 0 1</inkml:trace>
+  <inkml:trace contextRef="#ctx0" brushRef="#br0" timeOffset="1635.77">18243 12158 0,'0'-14'16,"53"41"46,-40-14-15,13 27-15,-26-27-17,0 0 16,14-13-31,-14 13 32,0 1 15,26-1-16,-26 0 0,13-13 0,1 0 79</inkml:trace>
+  <inkml:trace contextRef="#ctx0" brushRef="#br0" timeOffset="2220.26">18455 12197 0,'-14'0'31,"-12"0"0,-1 14 1,1-1-1,13 0-15,-67 27 15,41-1 0,52-39 78</inkml:trace>
+  <inkml:trace contextRef="#ctx0" brushRef="#br0" timeOffset="3000.44">18613 12171 0,'53'-13'94,"13"-1"-79,-39 14 1,65-13 0,-39 0 15,-26 13 0,-40 0 94</inkml:trace>
+  <inkml:trace contextRef="#ctx0" brushRef="#br0" timeOffset="3578.17">18825 11999 0,'-13'13'46,"13"0"-30,-14 53 15,14 1-15,0-28-16,-13 54 31,13-53 0,13-40 79</inkml:trace>
+  <inkml:trace contextRef="#ctx0" brushRef="#br0" timeOffset="4147.39">19209 11946 0,'0'-13'15,"0"26"32,0 40-31,0 53 0,-14 39 15,14-52 0,0-67-15,0 40-1</inkml:trace>
+  <inkml:trace contextRef="#ctx0" brushRef="#br0" timeOffset="7761.83">16854 12224 0,'-13'0'78,"-14"26"-62,-26 40 15,27-13 0,12-40 0,1 1-15,0-14 62,13 13-47,-13 0 1,13 0-1,-13-13 94</inkml:trace>
+  <inkml:trace contextRef="#ctx0" brushRef="#br0" timeOffset="9339.19">16867 12197 0,'0'14'78,"0"12"-62,0 0-16,0 41 31,13 12 0,-13-66 1,13-39 124,1-27-140,12-13 15,-13 0-16,1 13 1,-14 39 0,13-12-1</inkml:trace>
+  <inkml:trace contextRef="#ctx0" brushRef="#br0" timeOffset="10147.02">17013 12396 0,'13'-14'31,"-26"28"-31,39-28 32,-13 14-1,0 14 0,54 39 0,-41-27-31,1 1 32,-14-14-17,-13 0 16,26-13 110,-13 0-125,-13-13-1</inkml:trace>
+  <inkml:trace contextRef="#ctx0" brushRef="#br0" timeOffset="10684.75">17211 12422 0,'-13'0'16,"0"0"0,-14 40-1,14-27 1,-40 40 0,-13 13 15,39-39 0,14-27-15,13 13 31</inkml:trace>
+  <inkml:trace contextRef="#ctx0" brushRef="#br0" timeOffset="12532.79">15690 12184 0,'-14'0'141,"1"13"-126,-13 40 17,-93 159-17,79-133 16,40-66 1</inkml:trace>
+  <inkml:trace contextRef="#ctx0" brushRef="#br0" timeOffset="13372.12">15676 12224 0,'14'0'109,"12"79"-77,1-39-17,25 52 1,-12-39-1,-40-66 110,0-40-109,0 40 0,13-66-1,-13 52 1,14 14 0,-1-40-1,-13 40 1,0-27-1</inkml:trace>
+  <inkml:trace contextRef="#ctx0" brushRef="#br0" timeOffset="14233.9">15981 12396 0,'0'0'0,"0"-14"63,39 14-32,-25 0 0,12 27 0,-13-1-15,27 54 15,-14-41 1,-12-25-17,-1-14 126</inkml:trace>
+  <inkml:trace contextRef="#ctx0" brushRef="#br0" timeOffset="14796.35">16166 12422 0,'-27'0'47,"1"27"-16,-14 12 0,-39 41 1,79-67-17,-13 0 16</inkml:trace>
+  <inkml:trace contextRef="#ctx0" brushRef="#br0" timeOffset="26857.17">14049 17568 0,'0'-13'15,"0"26"64,-13-13-64,13 14 1,-13 12-1,13-13 1,0 0 0,-13 14 15,13-14-15,-14 0 15,14 14 0,-13-27 0,13 13 63</inkml:trace>
+  <inkml:trace contextRef="#ctx0" brushRef="#br0" timeOffset="28045.94">14155 17648 0,'0'-14'31,"26"1"63,14-26-48,-13 25-14,-14 1-1,-13 26 110,-13 14-126,-1-1 16,1 14-15,0-27 15,13 0 16,-13 1-31,-1-1 15,1-13 16,0 13-31,26-26 77,14-14-61,-14 14-1</inkml:trace>
+  <inkml:trace contextRef="#ctx0" brushRef="#br0" timeOffset="29616.37">14367 17634 0,'39'-39'235,"-12"12"-220,13 1 1,-14 13 15,-13-1 0,0 14 63,-13 14-78,0 39-1,27-1 17,-27-25-17,0-1 17,0-12-17,0-1 1,0 0-1,-13 14 17,-14-14-1,14 13 0,0-26-15,0 0-1,-1 0 142,-12-53-142,26 40 1,-40-40 0,40 40 15,-13 0-16,0-14 1,13 14 15,0 0 1</inkml:trace>
+  <inkml:trace contextRef="#ctx0" brushRef="#br0" timeOffset="45375.26">20121 11972 0,'27'0'47,"26"0"-32,13-13 1,66 0-1,-39 13 17,-80 0-1,-53 26 31,27-12-46</inkml:trace>
+  <inkml:trace contextRef="#ctx0" brushRef="#br0" timeOffset="45738.42">20082 12184 0,'0'0'0,"79"0"16,-26 0 15,106 0 0,-146 0-31</inkml:trace>
+  <inkml:trace contextRef="#ctx0" brushRef="#br0" timeOffset="46468.74">20836 11933 0,'-13'26'47,"13"-13"-32,0 54 1,0-54 0,0 40 15,0-40-15,0 0-1,0 0 1,0 1-1,0 25 32,0-25-15,0 12-1,0-13 0</inkml:trace>
+  <inkml:trace contextRef="#ctx0" brushRef="#br0" timeOffset="47511.25">21100 12039 0,'-26'13'63,"13"13"-32,-1 14-15,14-27-1,0 27 17,0-27-32,14 27 31,52 13-15,26-14 15,1-25 0,-80-14-15,14-14 15,-14 1 0,-13-13-15,0-1 15,0-12 0,-13-1 1,-27-13-17,-13-26 16,27 65 1,12 14-1,-12-13-15,-14 13 15,-13 0 0,14 0 0,52 0 79,0 0-110</inkml:trace>
+  <inkml:trace contextRef="#ctx0" brushRef="#br0" timeOffset="48159.65">21801 11893 0,'-13'0'15,"-26"79"16,25 27-15,14-40 0,0 53 15,0-66 0,0-13 0,14-14-15</inkml:trace>
+  <inkml:trace contextRef="#ctx0" brushRef="#br0" timeOffset="51747.37">754 476 0,'-13'13'125,"-27"67"-94,40-67-15,-13 53-1,13-39-15,-27 26 31,27-40-15</inkml:trace>
+  <inkml:trace contextRef="#ctx0" brushRef="#br0" timeOffset="52659.59">780 542 0,'14'0'141,"25"93"-110,-39-80-15,13 14 15,1-27 188,12-27-204,1-26 17,-14 0-17,40-13 16,-27 0 1</inkml:trace>
+  <inkml:trace contextRef="#ctx0" brushRef="#br0" timeOffset="53457.93">979 622 0,'13'0'94,"13"39"-63,27 14 0,-53-39 1,14-14 140,-1 0-141</inkml:trace>
+  <inkml:trace contextRef="#ctx0" brushRef="#br0" timeOffset="54313.36">1190 648 0,'-13'0'110,"-13"13"-95,-27 27 1,26 0 15,14-40 1,13 26 280,0 133-296,0-27 15,13-105 0</inkml:trace>
+  <inkml:trace contextRef="#ctx0" brushRef="#br0" timeOffset="54814.57">1296 754 0,'40'-13'15,"92"-14"1,-52 1 0,12 13 15,-79 13 0</inkml:trace>
+  <inkml:trace contextRef="#ctx0" brushRef="#br0" timeOffset="55504.84">1534 569 0,'-13'0'78,"0"106"-47,13-27 1,0-39-17,0-1 1,0-12-1</inkml:trace>
+  <inkml:trace contextRef="#ctx0" brushRef="#br0" timeOffset="56312.23">1865 516 0,'0'13'93,"-26"93"-61,12-27-1,14 40 0,-13-92-15,13-1 15</inkml:trace>
+</inkml:ink>
+</file>
+
+<file path=ppt/notesMasters/notesMaster1.xml><?xml version="1.0" encoding="utf-8"?>
+<p:notesMaster xmlns:a="http://schemas.openxmlformats.org/drawingml/2006/main" xmlns:r="http://schemas.openxmlformats.org/officeDocument/2006/relationships" xmlns:p="http://schemas.openxmlformats.org/presentationml/2006/main">
+  <p:cSld>
+    <p:bg>
+      <p:bgRef idx="1001">
+        <a:schemeClr val="bg1"/>
+      </p:bgRef>
+    </p:bg>
+    <p:spTree>
+      <p:nvGrpSpPr>
+        <p:cNvPr id="1" name=""/>
+        <p:cNvGrpSpPr/>
+        <p:nvPr/>
+      </p:nvGrpSpPr>
+      <p:grpSpPr>
+        <a:xfrm>
+          <a:off x="0" y="0"/>
+          <a:ext cx="0" cy="0"/>
+          <a:chOff x="0" y="0"/>
+          <a:chExt cx="0" cy="0"/>
+        </a:xfrm>
+      </p:grpSpPr>
+      <p:sp>
+        <p:nvSpPr>
+          <p:cNvPr id="2" name="页眉占位符 1"/>
+          <p:cNvSpPr>
+            <a:spLocks noGrp="1"/>
+          </p:cNvSpPr>
+          <p:nvPr>
+            <p:ph type="hdr" sz="quarter"/>
+          </p:nvPr>
+        </p:nvSpPr>
+        <p:spPr>
+          <a:xfrm>
+            <a:off x="0" y="0"/>
+            <a:ext cx="2971800" cy="458788"/>
+          </a:xfrm>
+          <a:prstGeom prst="rect">
+            <a:avLst/>
+          </a:prstGeom>
+        </p:spPr>
+        <p:txBody>
+          <a:bodyPr vert="horz" lIns="91440" tIns="45720" rIns="91440" bIns="45720" rtlCol="0"/>
+          <a:lstStyle>
+            <a:lvl1pPr algn="l">
+              <a:defRPr sz="1200"/>
+            </a:lvl1pPr>
+          </a:lstStyle>
+          <a:p>
+            <a:endParaRPr lang="zh-CN" altLang="en-US"/>
+          </a:p>
+        </p:txBody>
+      </p:sp>
+      <p:sp>
+        <p:nvSpPr>
+          <p:cNvPr id="3" name="日期占位符 2"/>
+          <p:cNvSpPr>
+            <a:spLocks noGrp="1"/>
+          </p:cNvSpPr>
+          <p:nvPr>
+            <p:ph type="dt" idx="1"/>
+          </p:nvPr>
+        </p:nvSpPr>
+        <p:spPr>
+          <a:xfrm>
+            <a:off x="3884613" y="0"/>
+            <a:ext cx="2971800" cy="458788"/>
+          </a:xfrm>
+          <a:prstGeom prst="rect">
+            <a:avLst/>
+          </a:prstGeom>
+        </p:spPr>
+        <p:txBody>
+          <a:bodyPr vert="horz" lIns="91440" tIns="45720" rIns="91440" bIns="45720" rtlCol="0"/>
+          <a:lstStyle>
+            <a:lvl1pPr algn="r">
+              <a:defRPr sz="1200"/>
+            </a:lvl1pPr>
+          </a:lstStyle>
+          <a:p>
+            <a:fld id="{CC4E2C19-A07B-48A9-B372-AF099A62855F}" type="datetimeFigureOut">
+              <a:rPr lang="zh-CN" altLang="en-US" smtClean="0"/>
+              <a:t>2025/3/18</a:t>
+            </a:fld>
+            <a:endParaRPr lang="zh-CN" altLang="en-US"/>
+          </a:p>
+        </p:txBody>
+      </p:sp>
+      <p:sp>
+        <p:nvSpPr>
+          <p:cNvPr id="4" name="幻灯片图像占位符 3"/>
+          <p:cNvSpPr>
+            <a:spLocks noGrp="1" noRot="1" noChangeAspect="1"/>
+          </p:cNvSpPr>
+          <p:nvPr>
+            <p:ph type="sldImg" idx="2"/>
+          </p:nvPr>
+        </p:nvSpPr>
+        <p:spPr>
+          <a:xfrm>
+            <a:off x="685800" y="1143000"/>
+            <a:ext cx="5486400" cy="3086100"/>
+          </a:xfrm>
+          <a:prstGeom prst="rect">
+            <a:avLst/>
+          </a:prstGeom>
+          <a:noFill/>
+          <a:ln w="12700">
+            <a:solidFill>
+              <a:prstClr val="black"/>
+            </a:solidFill>
+          </a:ln>
+        </p:spPr>
+        <p:txBody>
+          <a:bodyPr vert="horz" lIns="91440" tIns="45720" rIns="91440" bIns="45720" rtlCol="0" anchor="ctr"/>
+          <a:lstStyle/>
+          <a:p>
+            <a:endParaRPr lang="zh-CN" altLang="en-US"/>
+          </a:p>
+        </p:txBody>
+      </p:sp>
+      <p:sp>
+        <p:nvSpPr>
+          <p:cNvPr id="5" name="备注占位符 4"/>
+          <p:cNvSpPr>
+            <a:spLocks noGrp="1"/>
+          </p:cNvSpPr>
+          <p:nvPr>
+            <p:ph type="body" sz="quarter" idx="3"/>
+          </p:nvPr>
+        </p:nvSpPr>
+        <p:spPr>
+          <a:xfrm>
+            <a:off x="685800" y="4400550"/>
+            <a:ext cx="5486400" cy="3600450"/>
+          </a:xfrm>
+          <a:prstGeom prst="rect">
+            <a:avLst/>
+          </a:prstGeom>
+        </p:spPr>
+        <p:txBody>
+          <a:bodyPr vert="horz" lIns="91440" tIns="45720" rIns="91440" bIns="45720" rtlCol="0"/>
+          <a:lstStyle/>
+          <a:p>
+            <a:pPr lvl="0"/>
+            <a:r>
+              <a:rPr lang="zh-CN" altLang="en-US"/>
+              <a:t>单击此处编辑母版文本样式</a:t>
+            </a:r>
+          </a:p>
+          <a:p>
+            <a:pPr lvl="1"/>
+            <a:r>
+              <a:rPr lang="zh-CN" altLang="en-US"/>
+              <a:t>二级</a:t>
+            </a:r>
+          </a:p>
+          <a:p>
+            <a:pPr lvl="2"/>
+            <a:r>
+              <a:rPr lang="zh-CN" altLang="en-US"/>
+              <a:t>三级</a:t>
+            </a:r>
+          </a:p>
+          <a:p>
+            <a:pPr lvl="3"/>
+            <a:r>
+              <a:rPr lang="zh-CN" altLang="en-US"/>
+              <a:t>四级</a:t>
+            </a:r>
+          </a:p>
+          <a:p>
+            <a:pPr lvl="4"/>
+            <a:r>
+              <a:rPr lang="zh-CN" altLang="en-US"/>
+              <a:t>五级</a:t>
+            </a:r>
+          </a:p>
+        </p:txBody>
+      </p:sp>
+      <p:sp>
+        <p:nvSpPr>
+          <p:cNvPr id="6" name="页脚占位符 5"/>
+          <p:cNvSpPr>
+            <a:spLocks noGrp="1"/>
+          </p:cNvSpPr>
+          <p:nvPr>
+            <p:ph type="ftr" sz="quarter" idx="4"/>
+          </p:nvPr>
+        </p:nvSpPr>
+        <p:spPr>
+          <a:xfrm>
+            <a:off x="0" y="8685213"/>
+            <a:ext cx="2971800" cy="458787"/>
+          </a:xfrm>
+          <a:prstGeom prst="rect">
+            <a:avLst/>
+          </a:prstGeom>
+        </p:spPr>
+        <p:txBody>
+          <a:bodyPr vert="horz" lIns="91440" tIns="45720" rIns="91440" bIns="45720" rtlCol="0" anchor="b"/>
+          <a:lstStyle>
+            <a:lvl1pPr algn="l">
+              <a:defRPr sz="1200"/>
+            </a:lvl1pPr>
+          </a:lstStyle>
+          <a:p>
+            <a:endParaRPr lang="zh-CN" altLang="en-US"/>
+          </a:p>
+        </p:txBody>
+      </p:sp>
+      <p:sp>
+        <p:nvSpPr>
+          <p:cNvPr id="7" name="灯片编号占位符 6"/>
+          <p:cNvSpPr>
+            <a:spLocks noGrp="1"/>
+          </p:cNvSpPr>
+          <p:nvPr>
+            <p:ph type="sldNum" sz="quarter" idx="5"/>
+          </p:nvPr>
+        </p:nvSpPr>
+        <p:spPr>
+          <a:xfrm>
+            <a:off x="3884613" y="8685213"/>
+            <a:ext cx="2971800" cy="458787"/>
+          </a:xfrm>
+          <a:prstGeom prst="rect">
+            <a:avLst/>
+          </a:prstGeom>
+        </p:spPr>
+        <p:txBody>
+          <a:bodyPr vert="horz" lIns="91440" tIns="45720" rIns="91440" bIns="45720" rtlCol="0" anchor="b"/>
+          <a:lstStyle>
+            <a:lvl1pPr algn="r">
+              <a:defRPr sz="1200"/>
+            </a:lvl1pPr>
+          </a:lstStyle>
+          <a:p>
+            <a:fld id="{4DC72F05-9CC2-41A1-AB0F-6A4DECF301E5}" type="slidenum">
+              <a:rPr lang="zh-CN" altLang="en-US" smtClean="0"/>
+              <a:t>‹#›</a:t>
+            </a:fld>
+            <a:endParaRPr lang="zh-CN" altLang="en-US"/>
+          </a:p>
+        </p:txBody>
+      </p:sp>
+    </p:spTree>
+    <p:extLst>
+      <p:ext uri="{BB962C8B-B14F-4D97-AF65-F5344CB8AC3E}">
+        <p14:creationId xmlns:p14="http://schemas.microsoft.com/office/powerpoint/2010/main" val="1293763603"/>
+      </p:ext>
+    </p:extLst>
+  </p:cSld>
+  <p:clrMap bg1="lt1" tx1="dk1" bg2="lt2" tx2="dk2" accent1="accent1" accent2="accent2" accent3="accent3" accent4="accent4" accent5="accent5" accent6="accent6" hlink="hlink" folHlink="folHlink"/>
+  <p:notesStyle>
+    <a:lvl1pPr marL="0" algn="l" defTabSz="914400" rtl="0" eaLnBrk="1" latinLnBrk="0" hangingPunct="1">
+      <a:defRPr sz="1200" kern="1200">
+        <a:solidFill>
+          <a:schemeClr val="tx1"/>
+        </a:solidFill>
+        <a:latin typeface="+mn-lt"/>
+        <a:ea typeface="+mn-ea"/>
+        <a:cs typeface="+mn-cs"/>
+      </a:defRPr>
+    </a:lvl1pPr>
+    <a:lvl2pPr marL="457200" algn="l" defTabSz="914400" rtl="0" eaLnBrk="1" latinLnBrk="0" hangingPunct="1">
+      <a:defRPr sz="1200" kern="1200">
+        <a:solidFill>
+          <a:schemeClr val="tx1"/>
+        </a:solidFill>
+        <a:latin typeface="+mn-lt"/>
+        <a:ea typeface="+mn-ea"/>
+        <a:cs typeface="+mn-cs"/>
+      </a:defRPr>
+    </a:lvl2pPr>
+    <a:lvl3pPr marL="914400" algn="l" defTabSz="914400" rtl="0" eaLnBrk="1" latinLnBrk="0" hangingPunct="1">
+      <a:defRPr sz="1200" kern="1200">
+        <a:solidFill>
+          <a:schemeClr val="tx1"/>
+        </a:solidFill>
+        <a:latin typeface="+mn-lt"/>
+        <a:ea typeface="+mn-ea"/>
+        <a:cs typeface="+mn-cs"/>
+      </a:defRPr>
+    </a:lvl3pPr>
+    <a:lvl4pPr marL="1371600" algn="l" defTabSz="914400" rtl="0" eaLnBrk="1" latinLnBrk="0" hangingPunct="1">
+      <a:defRPr sz="1200" kern="1200">
+        <a:solidFill>
+          <a:schemeClr val="tx1"/>
+        </a:solidFill>
+        <a:latin typeface="+mn-lt"/>
+        <a:ea typeface="+mn-ea"/>
+        <a:cs typeface="+mn-cs"/>
+      </a:defRPr>
+    </a:lvl4pPr>
+    <a:lvl5pPr marL="1828800" algn="l" defTabSz="914400" rtl="0" eaLnBrk="1" latinLnBrk="0" hangingPunct="1">
+      <a:defRPr sz="1200" kern="1200">
+        <a:solidFill>
+          <a:schemeClr val="tx1"/>
+        </a:solidFill>
+        <a:latin typeface="+mn-lt"/>
+        <a:ea typeface="+mn-ea"/>
+        <a:cs typeface="+mn-cs"/>
+      </a:defRPr>
+    </a:lvl5pPr>
+    <a:lvl6pPr marL="2286000" algn="l" defTabSz="914400" rtl="0" eaLnBrk="1" latinLnBrk="0" hangingPunct="1">
+      <a:defRPr sz="1200" kern="1200">
+        <a:solidFill>
+          <a:schemeClr val="tx1"/>
+        </a:solidFill>
+        <a:latin typeface="+mn-lt"/>
+        <a:ea typeface="+mn-ea"/>
+        <a:cs typeface="+mn-cs"/>
+      </a:defRPr>
+    </a:lvl6pPr>
+    <a:lvl7pPr marL="2743200" algn="l" defTabSz="914400" rtl="0" eaLnBrk="1" latinLnBrk="0" hangingPunct="1">
+      <a:defRPr sz="1200" kern="1200">
+        <a:solidFill>
+          <a:schemeClr val="tx1"/>
+        </a:solidFill>
+        <a:latin typeface="+mn-lt"/>
+        <a:ea typeface="+mn-ea"/>
+        <a:cs typeface="+mn-cs"/>
+      </a:defRPr>
+    </a:lvl7pPr>
+    <a:lvl8pPr marL="3200400" algn="l" defTabSz="914400" rtl="0" eaLnBrk="1" latinLnBrk="0" hangingPunct="1">
+      <a:defRPr sz="1200" kern="1200">
+        <a:solidFill>
+          <a:schemeClr val="tx1"/>
+        </a:solidFill>
+        <a:latin typeface="+mn-lt"/>
+        <a:ea typeface="+mn-ea"/>
+        <a:cs typeface="+mn-cs"/>
+      </a:defRPr>
+    </a:lvl8pPr>
+    <a:lvl9pPr marL="3657600" algn="l" defTabSz="914400" rtl="0" eaLnBrk="1" latinLnBrk="0" hangingPunct="1">
+      <a:defRPr sz="1200" kern="1200">
+        <a:solidFill>
+          <a:schemeClr val="tx1"/>
+        </a:solidFill>
+        <a:latin typeface="+mn-lt"/>
+        <a:ea typeface="+mn-ea"/>
+        <a:cs typeface="+mn-cs"/>
+      </a:defRPr>
+    </a:lvl9pPr>
+  </p:notesStyle>
+</p:notesMaster>
+</file>
+
+<file path=ppt/notesSlides/notesSlide1.xml><?xml version="1.0" encoding="utf-8"?>
+<p:notes xmlns:a="http://schemas.openxmlformats.org/drawingml/2006/main" xmlns:r="http://schemas.openxmlformats.org/officeDocument/2006/relationships" xmlns:p="http://schemas.openxmlformats.org/presentationml/2006/main">
+  <p:cSld>
+    <p:spTree>
+      <p:nvGrpSpPr>
+        <p:cNvPr id="1" name=""/>
+        <p:cNvGrpSpPr/>
+        <p:nvPr/>
+      </p:nvGrpSpPr>
+      <p:grpSpPr>
+        <a:xfrm>
+          <a:off x="0" y="0"/>
+          <a:ext cx="0" cy="0"/>
+          <a:chOff x="0" y="0"/>
+          <a:chExt cx="0" cy="0"/>
+        </a:xfrm>
+      </p:grpSpPr>
+      <p:sp>
+        <p:nvSpPr>
+          <p:cNvPr id="2" name="幻灯片图像占位符 1"/>
+          <p:cNvSpPr>
+            <a:spLocks noGrp="1" noRot="1" noChangeAspect="1"/>
+          </p:cNvSpPr>
+          <p:nvPr>
+            <p:ph type="sldImg" idx="2"/>
+          </p:nvPr>
+        </p:nvSpPr>
+        <p:spPr/>
+      </p:sp>
+      <p:sp>
+        <p:nvSpPr>
+          <p:cNvPr id="3" name="文本占位符 2"/>
+          <p:cNvSpPr>
+            <a:spLocks noGrp="1"/>
+          </p:cNvSpPr>
+          <p:nvPr>
+            <p:ph type="body" idx="3"/>
+          </p:nvPr>
+        </p:nvSpPr>
+        <p:spPr/>
+        <p:txBody>
+          <a:bodyPr/>
+          <a:lstStyle/>
+          <a:p>
+            <a:endParaRPr lang="en-US" altLang="zh-CN"/>
+          </a:p>
+        </p:txBody>
+      </p:sp>
+    </p:spTree>
+  </p:cSld>
+  <p:clrMapOvr>
+    <a:masterClrMapping/>
+  </p:clrMapOvr>
+</p:notes>
 </file>
 
 <file path=ppt/slideLayouts/slideLayout1.xml><?xml version="1.0" encoding="utf-8"?>
@@ -4748,6 +5216,432 @@
 </p:sld>
 </file>
 
+<file path=ppt/slides/slide7.xml><?xml version="1.0" encoding="utf-8"?>
+<p:sld xmlns:a="http://schemas.openxmlformats.org/drawingml/2006/main" xmlns:r="http://schemas.openxmlformats.org/officeDocument/2006/relationships" xmlns:p="http://schemas.openxmlformats.org/presentationml/2006/main">
+  <p:cSld>
+    <p:spTree>
+      <p:nvGrpSpPr>
+        <p:cNvPr id="1" name=""/>
+        <p:cNvGrpSpPr/>
+        <p:nvPr/>
+      </p:nvGrpSpPr>
+      <p:grpSpPr>
+        <a:xfrm>
+          <a:off x="0" y="0"/>
+          <a:ext cx="0" cy="0"/>
+          <a:chOff x="0" y="0"/>
+          <a:chExt cx="0" cy="0"/>
+        </a:xfrm>
+      </p:grpSpPr>
+      <p:sp>
+        <p:nvSpPr>
+          <p:cNvPr id="2" name="标题 1">
+            <a:extLst>
+              <a:ext uri="{FF2B5EF4-FFF2-40B4-BE49-F238E27FC236}">
+                <a16:creationId xmlns:a16="http://schemas.microsoft.com/office/drawing/2014/main" id="{4C6CD637-7686-BFE6-041E-79B46CF20E5B}"/>
+              </a:ext>
+            </a:extLst>
+          </p:cNvPr>
+          <p:cNvSpPr>
+            <a:spLocks noGrp="1"/>
+          </p:cNvSpPr>
+          <p:nvPr>
+            <p:ph type="title"/>
+          </p:nvPr>
+        </p:nvSpPr>
+        <p:spPr/>
+        <p:txBody>
+          <a:bodyPr/>
+          <a:lstStyle/>
+          <a:p>
+            <a:endParaRPr lang="zh-CN" altLang="en-US"/>
+          </a:p>
+        </p:txBody>
+      </p:sp>
+      <p:pic>
+        <p:nvPicPr>
+          <p:cNvPr id="5" name="内容占位符 4" descr="图片包含 表格&#10;&#10;AI 生成的内容可能不正确。">
+            <a:extLst>
+              <a:ext uri="{FF2B5EF4-FFF2-40B4-BE49-F238E27FC236}">
+                <a16:creationId xmlns:a16="http://schemas.microsoft.com/office/drawing/2014/main" id="{5BAF0432-8480-0349-1E11-E011CE3A1059}"/>
+              </a:ext>
+            </a:extLst>
+          </p:cNvPr>
+          <p:cNvPicPr>
+            <a:picLocks noGrp="1" noChangeAspect="1"/>
+          </p:cNvPicPr>
+          <p:nvPr>
+            <p:ph idx="1"/>
+          </p:nvPr>
+        </p:nvPicPr>
+        <p:blipFill>
+          <a:blip r:embed="rId2">
+            <a:extLst>
+              <a:ext uri="{28A0092B-C50C-407E-A947-70E740481C1C}">
+                <a14:useLocalDpi xmlns:a14="http://schemas.microsoft.com/office/drawing/2010/main" val="0"/>
+              </a:ext>
+            </a:extLst>
+          </a:blip>
+          <a:srcRect t="23189"/>
+          <a:stretch/>
+        </p:blipFill>
+        <p:spPr>
+          <a:xfrm>
+            <a:off x="-833685" y="365125"/>
+            <a:ext cx="11944300" cy="5868035"/>
+          </a:xfrm>
+        </p:spPr>
+      </p:pic>
+    </p:spTree>
+    <p:extLst>
+      <p:ext uri="{BB962C8B-B14F-4D97-AF65-F5344CB8AC3E}">
+        <p14:creationId xmlns:p14="http://schemas.microsoft.com/office/powerpoint/2010/main" val="1144724561"/>
+      </p:ext>
+    </p:extLst>
+  </p:cSld>
+  <p:clrMapOvr>
+    <a:masterClrMapping/>
+  </p:clrMapOvr>
+</p:sld>
+</file>
+
+<file path=ppt/slides/slide8.xml><?xml version="1.0" encoding="utf-8"?>
+<p:sld xmlns:a="http://schemas.openxmlformats.org/drawingml/2006/main" xmlns:r="http://schemas.openxmlformats.org/officeDocument/2006/relationships" xmlns:p="http://schemas.openxmlformats.org/presentationml/2006/main">
+  <p:cSld>
+    <p:spTree>
+      <p:nvGrpSpPr>
+        <p:cNvPr id="1" name=""/>
+        <p:cNvGrpSpPr/>
+        <p:nvPr/>
+      </p:nvGrpSpPr>
+      <p:grpSpPr>
+        <a:xfrm>
+          <a:off x="0" y="0"/>
+          <a:ext cx="0" cy="0"/>
+          <a:chOff x="0" y="0"/>
+          <a:chExt cx="0" cy="0"/>
+        </a:xfrm>
+      </p:grpSpPr>
+      <p:pic>
+        <p:nvPicPr>
+          <p:cNvPr id="4" name="图片 3"/>
+          <p:cNvPicPr>
+            <a:picLocks noChangeAspect="1"/>
+          </p:cNvPicPr>
+          <p:nvPr/>
+        </p:nvPicPr>
+        <p:blipFill>
+          <a:blip r:embed="rId3"/>
+          <a:srcRect b="12059"/>
+          <a:stretch>
+            <a:fillRect/>
+          </a:stretch>
+        </p:blipFill>
+        <p:spPr>
+          <a:xfrm>
+            <a:off x="-66675" y="0"/>
+            <a:ext cx="6735445" cy="5144770"/>
+          </a:xfrm>
+          <a:prstGeom prst="rect">
+            <a:avLst/>
+          </a:prstGeom>
+        </p:spPr>
+      </p:pic>
+      <p:pic>
+        <p:nvPicPr>
+          <p:cNvPr id="2" name="图片 1"/>
+          <p:cNvPicPr>
+            <a:picLocks noChangeAspect="1"/>
+          </p:cNvPicPr>
+          <p:nvPr/>
+        </p:nvPicPr>
+        <p:blipFill>
+          <a:blip r:embed="rId4"/>
+          <a:stretch>
+            <a:fillRect/>
+          </a:stretch>
+        </p:blipFill>
+        <p:spPr>
+          <a:xfrm>
+            <a:off x="0" y="5429250"/>
+            <a:ext cx="7029450" cy="1428750"/>
+          </a:xfrm>
+          <a:prstGeom prst="rect">
+            <a:avLst/>
+          </a:prstGeom>
+        </p:spPr>
+      </p:pic>
+      <p:pic>
+        <p:nvPicPr>
+          <p:cNvPr id="3" name="图片 2"/>
+          <p:cNvPicPr>
+            <a:picLocks noChangeAspect="1"/>
+          </p:cNvPicPr>
+          <p:nvPr/>
+        </p:nvPicPr>
+        <p:blipFill>
+          <a:blip r:embed="rId3"/>
+          <a:srcRect l="66070" t="87572"/>
+          <a:stretch>
+            <a:fillRect/>
+          </a:stretch>
+        </p:blipFill>
+        <p:spPr>
+          <a:xfrm>
+            <a:off x="4383405" y="4540250"/>
+            <a:ext cx="2285365" cy="727075"/>
+          </a:xfrm>
+          <a:prstGeom prst="rect">
+            <a:avLst/>
+          </a:prstGeom>
+        </p:spPr>
+      </p:pic>
+      <p:sp>
+        <p:nvSpPr>
+          <p:cNvPr id="5" name="矩形 4">
+            <a:extLst>
+              <a:ext uri="{FF2B5EF4-FFF2-40B4-BE49-F238E27FC236}">
+                <a16:creationId xmlns:a16="http://schemas.microsoft.com/office/drawing/2014/main" id="{610B3C08-2413-6601-136A-55D0DEC5C71A}"/>
+              </a:ext>
+            </a:extLst>
+          </p:cNvPr>
+          <p:cNvSpPr/>
+          <p:nvPr/>
+        </p:nvSpPr>
+        <p:spPr>
+          <a:xfrm>
+            <a:off x="1668780" y="693420"/>
+            <a:ext cx="4236720" cy="2732405"/>
+          </a:xfrm>
+          <a:prstGeom prst="rect">
+            <a:avLst/>
+          </a:prstGeom>
+          <a:noFill/>
+          <a:ln>
+            <a:solidFill>
+              <a:srgbClr val="FF0000"/>
+            </a:solidFill>
+          </a:ln>
+        </p:spPr>
+        <p:style>
+          <a:lnRef idx="2">
+            <a:schemeClr val="accent1">
+              <a:shade val="15000"/>
+            </a:schemeClr>
+          </a:lnRef>
+          <a:fillRef idx="1">
+            <a:schemeClr val="accent1"/>
+          </a:fillRef>
+          <a:effectRef idx="0">
+            <a:schemeClr val="accent1"/>
+          </a:effectRef>
+          <a:fontRef idx="minor">
+            <a:schemeClr val="lt1"/>
+          </a:fontRef>
+        </p:style>
+        <p:txBody>
+          <a:bodyPr rtlCol="0" anchor="ctr"/>
+          <a:lstStyle/>
+          <a:p>
+            <a:pPr algn="ctr"/>
+            <a:endParaRPr lang="zh-CN" altLang="en-US"/>
+          </a:p>
+        </p:txBody>
+      </p:sp>
+      <mc:AlternateContent xmlns:mc="http://schemas.openxmlformats.org/markup-compatibility/2006">
+        <mc:Choice xmlns:p14="http://schemas.microsoft.com/office/powerpoint/2010/main" Requires="p14">
+          <p:contentPart p14:bwMode="auto" r:id="rId5">
+            <p14:nvContentPartPr>
+              <p14:cNvPr id="6" name="墨迹 5">
+                <a:extLst>
+                  <a:ext uri="{FF2B5EF4-FFF2-40B4-BE49-F238E27FC236}">
+                    <a16:creationId xmlns:a16="http://schemas.microsoft.com/office/drawing/2014/main" id="{C234D343-D66C-E9D8-2897-0B62A253216C}"/>
+                  </a:ext>
+                </a:extLst>
+              </p14:cNvPr>
+              <p14:cNvContentPartPr/>
+              <p14:nvPr/>
+            </p14:nvContentPartPr>
+            <p14:xfrm>
+              <a:off x="237960" y="147600"/>
+              <a:ext cx="7610760" cy="6258240"/>
+            </p14:xfrm>
+          </p:contentPart>
+        </mc:Choice>
+        <mc:Fallback>
+          <p:pic>
+            <p:nvPicPr>
+              <p:cNvPr id="6" name="墨迹 5">
+                <a:extLst>
+                  <a:ext uri="{FF2B5EF4-FFF2-40B4-BE49-F238E27FC236}">
+                    <a16:creationId xmlns:a16="http://schemas.microsoft.com/office/drawing/2014/main" id="{C234D343-D66C-E9D8-2897-0B62A253216C}"/>
+                  </a:ext>
+                </a:extLst>
+              </p:cNvPr>
+              <p:cNvPicPr/>
+              <p:nvPr/>
+            </p:nvPicPr>
+            <p:blipFill>
+              <a:blip r:embed="rId6"/>
+              <a:stretch>
+                <a:fillRect/>
+              </a:stretch>
+            </p:blipFill>
+            <p:spPr>
+              <a:xfrm>
+                <a:off x="228600" y="138240"/>
+                <a:ext cx="7629480" cy="6276960"/>
+              </a:xfrm>
+              <a:prstGeom prst="rect">
+                <a:avLst/>
+              </a:prstGeom>
+            </p:spPr>
+          </p:pic>
+        </mc:Fallback>
+      </mc:AlternateContent>
+    </p:spTree>
+    <p:custDataLst>
+      <p:tags r:id="rId1"/>
+    </p:custDataLst>
+  </p:cSld>
+  <p:clrMapOvr>
+    <a:masterClrMapping/>
+  </p:clrMapOvr>
+</p:sld>
+</file>
+
+<file path=ppt/slides/slide9.xml><?xml version="1.0" encoding="utf-8"?>
+<p:sld xmlns:a="http://schemas.openxmlformats.org/drawingml/2006/main" xmlns:r="http://schemas.openxmlformats.org/officeDocument/2006/relationships" xmlns:p="http://schemas.openxmlformats.org/presentationml/2006/main">
+  <p:cSld>
+    <p:spTree>
+      <p:nvGrpSpPr>
+        <p:cNvPr id="1" name=""/>
+        <p:cNvGrpSpPr/>
+        <p:nvPr/>
+      </p:nvGrpSpPr>
+      <p:grpSpPr>
+        <a:xfrm>
+          <a:off x="0" y="0"/>
+          <a:ext cx="0" cy="0"/>
+          <a:chOff x="0" y="0"/>
+          <a:chExt cx="0" cy="0"/>
+        </a:xfrm>
+      </p:grpSpPr>
+      <p:pic>
+        <p:nvPicPr>
+          <p:cNvPr id="30" name="图片 29" descr="日历&#10;&#10;AI 生成的内容可能不正确。">
+            <a:extLst>
+              <a:ext uri="{FF2B5EF4-FFF2-40B4-BE49-F238E27FC236}">
+                <a16:creationId xmlns:a16="http://schemas.microsoft.com/office/drawing/2014/main" id="{48A5E5A2-EB0A-1BFA-E641-830A6AE9C710}"/>
+              </a:ext>
+            </a:extLst>
+          </p:cNvPr>
+          <p:cNvPicPr>
+            <a:picLocks noChangeAspect="1"/>
+          </p:cNvPicPr>
+          <p:nvPr/>
+        </p:nvPicPr>
+        <p:blipFill>
+          <a:blip r:embed="rId4">
+            <a:extLst>
+              <a:ext uri="{28A0092B-C50C-407E-A947-70E740481C1C}">
+                <a14:useLocalDpi xmlns:a14="http://schemas.microsoft.com/office/drawing/2010/main" val="0"/>
+              </a:ext>
+            </a:extLst>
+          </a:blip>
+          <a:stretch>
+            <a:fillRect/>
+          </a:stretch>
+        </p:blipFill>
+        <p:spPr>
+          <a:xfrm>
+            <a:off x="1394756" y="299601"/>
+            <a:ext cx="9402487" cy="6258798"/>
+          </a:xfrm>
+          <a:prstGeom prst="rect">
+            <a:avLst/>
+          </a:prstGeom>
+        </p:spPr>
+      </p:pic>
+      <p:sp>
+        <p:nvSpPr>
+          <p:cNvPr id="31" name="矩形 30">
+            <a:extLst>
+              <a:ext uri="{FF2B5EF4-FFF2-40B4-BE49-F238E27FC236}">
+                <a16:creationId xmlns:a16="http://schemas.microsoft.com/office/drawing/2014/main" id="{C6CCE9F9-C2B8-307E-7537-5BCF6F49E472}"/>
+              </a:ext>
+            </a:extLst>
+          </p:cNvPr>
+          <p:cNvSpPr/>
+          <p:nvPr/>
+        </p:nvSpPr>
+        <p:spPr>
+          <a:xfrm>
+            <a:off x="3421380" y="1059179"/>
+            <a:ext cx="3749040" cy="2430781"/>
+          </a:xfrm>
+          <a:prstGeom prst="rect">
+            <a:avLst/>
+          </a:prstGeom>
+          <a:noFill/>
+          <a:ln>
+            <a:solidFill>
+              <a:srgbClr val="FF0000"/>
+            </a:solidFill>
+          </a:ln>
+        </p:spPr>
+        <p:style>
+          <a:lnRef idx="2">
+            <a:schemeClr val="accent1">
+              <a:shade val="15000"/>
+            </a:schemeClr>
+          </a:lnRef>
+          <a:fillRef idx="1">
+            <a:schemeClr val="accent1"/>
+          </a:fillRef>
+          <a:effectRef idx="0">
+            <a:schemeClr val="accent1"/>
+          </a:effectRef>
+          <a:fontRef idx="minor">
+            <a:schemeClr val="lt1"/>
+          </a:fontRef>
+        </p:style>
+        <p:txBody>
+          <a:bodyPr rtlCol="0" anchor="ctr"/>
+          <a:lstStyle/>
+          <a:p>
+            <a:pPr algn="ctr"/>
+            <a:endParaRPr lang="zh-CN" altLang="en-US"/>
+          </a:p>
+        </p:txBody>
+      </p:sp>
+    </p:spTree>
+    <p:custDataLst>
+      <p:tags r:id="rId1"/>
+    </p:custDataLst>
+  </p:cSld>
+  <p:clrMapOvr>
+    <a:masterClrMapping/>
+  </p:clrMapOvr>
+</p:sld>
+</file>
+
+<file path=ppt/tags/tag1.xml><?xml version="1.0" encoding="utf-8"?>
+<p:tagLst xmlns:a="http://schemas.openxmlformats.org/drawingml/2006/main" xmlns:r="http://schemas.openxmlformats.org/officeDocument/2006/relationships" xmlns:p="http://schemas.openxmlformats.org/presentationml/2006/main">
+  <p:tag name="KSO_WM_BEAUTIFY_FLAG" val="#wm#"/>
+  <p:tag name="KSO_WM_TEMPLATE_CATEGORY" val="custom"/>
+  <p:tag name="KSO_WM_TEMPLATE_INDEX" val="20205081"/>
+</p:tagLst>
+</file>
+
+<file path=ppt/tags/tag2.xml><?xml version="1.0" encoding="utf-8"?>
+<p:tagLst xmlns:a="http://schemas.openxmlformats.org/drawingml/2006/main" xmlns:r="http://schemas.openxmlformats.org/officeDocument/2006/relationships" xmlns:p="http://schemas.openxmlformats.org/presentationml/2006/main">
+  <p:tag name="KSO_WM_BEAUTIFY_FLAG" val="#wm#"/>
+  <p:tag name="KSO_WM_TEMPLATE_CATEGORY" val="custom"/>
+  <p:tag name="KSO_WM_TEMPLATE_INDEX" val="20205081"/>
+</p:tagLst>
+</file>
+
 <file path=ppt/theme/theme1.xml><?xml version="1.0" encoding="utf-8"?>
 <a:theme xmlns:a="http://schemas.openxmlformats.org/drawingml/2006/main" name="Office 主题​​">
   <a:themeElements>
@@ -5061,4 +5955,319 @@
     </a:ext>
   </a:extLst>
 </a:theme>
+</file>
+
+<file path=ppt/theme/theme2.xml><?xml version="1.0" encoding="utf-8"?>
+<a:theme xmlns:a="http://schemas.openxmlformats.org/drawingml/2006/main" name="Office 主题​​">
+  <a:themeElements>
+    <a:clrScheme name="Office">
+      <a:dk1>
+        <a:sysClr val="windowText" lastClr="000000"/>
+      </a:dk1>
+      <a:lt1>
+        <a:sysClr val="window" lastClr="FFFFFF"/>
+      </a:lt1>
+      <a:dk2>
+        <a:srgbClr val="0E2841"/>
+      </a:dk2>
+      <a:lt2>
+        <a:srgbClr val="E8E8E8"/>
+      </a:lt2>
+      <a:accent1>
+        <a:srgbClr val="156082"/>
+      </a:accent1>
+      <a:accent2>
+        <a:srgbClr val="E97132"/>
+      </a:accent2>
+      <a:accent3>
+        <a:srgbClr val="196B24"/>
+      </a:accent3>
+      <a:accent4>
+        <a:srgbClr val="0F9ED5"/>
+      </a:accent4>
+      <a:accent5>
+        <a:srgbClr val="A02B93"/>
+      </a:accent5>
+      <a:accent6>
+        <a:srgbClr val="4EA72E"/>
+      </a:accent6>
+      <a:hlink>
+        <a:srgbClr val="467886"/>
+      </a:hlink>
+      <a:folHlink>
+        <a:srgbClr val="96607D"/>
+      </a:folHlink>
+    </a:clrScheme>
+    <a:fontScheme name="Office">
+      <a:majorFont>
+        <a:latin typeface="等线 Light" panose="02110004020202020204"/>
+        <a:ea typeface=""/>
+        <a:cs typeface=""/>
+        <a:font script="Jpan" typeface="游ゴシック Light"/>
+        <a:font script="Hang" typeface="맑은 고딕"/>
+        <a:font script="Hans" typeface="等线 Light"/>
+        <a:font script="Hant" typeface="新細明體"/>
+        <a:font script="Arab" typeface="Times New Roman"/>
+        <a:font script="Hebr" typeface="Times New Roman"/>
+        <a:font script="Thai" typeface="Angsana New"/>
+        <a:font script="Ethi" typeface="Nyala"/>
+        <a:font script="Beng" typeface="Vrinda"/>
+        <a:font script="Gujr" typeface="Shruti"/>
+        <a:font script="Khmr" typeface="MoolBoran"/>
+        <a:font script="Knda" typeface="Tunga"/>
+        <a:font script="Guru" typeface="Raavi"/>
+        <a:font script="Cans" typeface="Euphemia"/>
+        <a:font script="Cher" typeface="Plantagenet Cherokee"/>
+        <a:font script="Yiii" typeface="Microsoft Yi Baiti"/>
+        <a:font script="Tibt" typeface="Microsoft Himalaya"/>
+        <a:font script="Thaa" typeface="MV Boli"/>
+        <a:font script="Deva" typeface="Mangal"/>
+        <a:font script="Telu" typeface="Gautami"/>
+        <a:font script="Taml" typeface="Latha"/>
+        <a:font script="Syrc" typeface="Estrangelo Edessa"/>
+        <a:font script="Orya" typeface="Kalinga"/>
+        <a:font script="Mlym" typeface="Kartika"/>
+        <a:font script="Laoo" typeface="DokChampa"/>
+        <a:font script="Sinh" typeface="Iskoola Pota"/>
+        <a:font script="Mong" typeface="Mongolian Baiti"/>
+        <a:font script="Viet" typeface="Times New Roman"/>
+        <a:font script="Uigh" typeface="Microsoft Uighur"/>
+        <a:font script="Geor" typeface="Sylfaen"/>
+        <a:font script="Armn" typeface="Arial"/>
+        <a:font script="Bugi" typeface="Leelawadee UI"/>
+        <a:font script="Bopo" typeface="Microsoft JhengHei"/>
+        <a:font script="Java" typeface="Javanese Text"/>
+        <a:font script="Lisu" typeface="Segoe UI"/>
+        <a:font script="Mymr" typeface="Myanmar Text"/>
+        <a:font script="Nkoo" typeface="Ebrima"/>
+        <a:font script="Olck" typeface="Nirmala UI"/>
+        <a:font script="Osma" typeface="Ebrima"/>
+        <a:font script="Phag" typeface="Phagspa"/>
+        <a:font script="Syrn" typeface="Estrangelo Edessa"/>
+        <a:font script="Syrj" typeface="Estrangelo Edessa"/>
+        <a:font script="Syre" typeface="Estrangelo Edessa"/>
+        <a:font script="Sora" typeface="Nirmala UI"/>
+        <a:font script="Tale" typeface="Microsoft Tai Le"/>
+        <a:font script="Talu" typeface="Microsoft New Tai Lue"/>
+        <a:font script="Tfng" typeface="Ebrima"/>
+      </a:majorFont>
+      <a:minorFont>
+        <a:latin typeface="等线" panose="02110004020202020204"/>
+        <a:ea typeface=""/>
+        <a:cs typeface=""/>
+        <a:font script="Jpan" typeface="游ゴシック"/>
+        <a:font script="Hang" typeface="맑은 고딕"/>
+        <a:font script="Hans" typeface="等线"/>
+        <a:font script="Hant" typeface="新細明體"/>
+        <a:font script="Arab" typeface="Arial"/>
+        <a:font script="Hebr" typeface="Arial"/>
+        <a:font script="Thai" typeface="Cordia New"/>
+        <a:font script="Ethi" typeface="Nyala"/>
+        <a:font script="Beng" typeface="Vrinda"/>
+        <a:font script="Gujr" typeface="Shruti"/>
+        <a:font script="Khmr" typeface="DaunPenh"/>
+        <a:font script="Knda" typeface="Tunga"/>
+        <a:font script="Guru" typeface="Raavi"/>
+        <a:font script="Cans" typeface="Euphemia"/>
+        <a:font script="Cher" typeface="Plantagenet Cherokee"/>
+        <a:font script="Yiii" typeface="Microsoft Yi Baiti"/>
+        <a:font script="Tibt" typeface="Microsoft Himalaya"/>
+        <a:font script="Thaa" typeface="MV Boli"/>
+        <a:font script="Deva" typeface="Mangal"/>
+        <a:font script="Telu" typeface="Gautami"/>
+        <a:font script="Taml" typeface="Latha"/>
+        <a:font script="Syrc" typeface="Estrangelo Edessa"/>
+        <a:font script="Orya" typeface="Kalinga"/>
+        <a:font script="Mlym" typeface="Kartika"/>
+        <a:font script="Laoo" typeface="DokChampa"/>
+        <a:font script="Sinh" typeface="Iskoola Pota"/>
+        <a:font script="Mong" typeface="Mongolian Baiti"/>
+        <a:font script="Viet" typeface="Arial"/>
+        <a:font script="Uigh" typeface="Microsoft Uighur"/>
+        <a:font script="Geor" typeface="Sylfaen"/>
+        <a:font script="Armn" typeface="Arial"/>
+        <a:font script="Bugi" typeface="Leelawadee UI"/>
+        <a:font script="Bopo" typeface="Microsoft JhengHei"/>
+        <a:font script="Java" typeface="Javanese Text"/>
+        <a:font script="Lisu" typeface="Segoe UI"/>
+        <a:font script="Mymr" typeface="Myanmar Text"/>
+        <a:font script="Nkoo" typeface="Ebrima"/>
+        <a:font script="Olck" typeface="Nirmala UI"/>
+        <a:font script="Osma" typeface="Ebrima"/>
+        <a:font script="Phag" typeface="Phagspa"/>
+        <a:font script="Syrn" typeface="Estrangelo Edessa"/>
+        <a:font script="Syrj" typeface="Estrangelo Edessa"/>
+        <a:font script="Syre" typeface="Estrangelo Edessa"/>
+        <a:font script="Sora" typeface="Nirmala UI"/>
+        <a:font script="Tale" typeface="Microsoft Tai Le"/>
+        <a:font script="Talu" typeface="Microsoft New Tai Lue"/>
+        <a:font script="Tfng" typeface="Ebrima"/>
+      </a:minorFont>
+    </a:fontScheme>
+    <a:fmtScheme name="Office">
+      <a:fillStyleLst>
+        <a:solidFill>
+          <a:schemeClr val="phClr"/>
+        </a:solidFill>
+        <a:gradFill rotWithShape="1">
+          <a:gsLst>
+            <a:gs pos="0">
+              <a:schemeClr val="phClr">
+                <a:lumMod val="110000"/>
+                <a:satMod val="105000"/>
+                <a:tint val="67000"/>
+              </a:schemeClr>
+            </a:gs>
+            <a:gs pos="50000">
+              <a:schemeClr val="phClr">
+                <a:lumMod val="105000"/>
+                <a:satMod val="103000"/>
+                <a:tint val="73000"/>
+              </a:schemeClr>
+            </a:gs>
+            <a:gs pos="100000">
+              <a:schemeClr val="phClr">
+                <a:lumMod val="105000"/>
+                <a:satMod val="109000"/>
+                <a:tint val="81000"/>
+              </a:schemeClr>
+            </a:gs>
+          </a:gsLst>
+          <a:lin ang="5400000" scaled="0"/>
+        </a:gradFill>
+        <a:gradFill rotWithShape="1">
+          <a:gsLst>
+            <a:gs pos="0">
+              <a:schemeClr val="phClr">
+                <a:satMod val="103000"/>
+                <a:lumMod val="102000"/>
+                <a:tint val="94000"/>
+              </a:schemeClr>
+            </a:gs>
+            <a:gs pos="50000">
+              <a:schemeClr val="phClr">
+                <a:satMod val="110000"/>
+                <a:lumMod val="100000"/>
+                <a:shade val="100000"/>
+              </a:schemeClr>
+            </a:gs>
+            <a:gs pos="100000">
+              <a:schemeClr val="phClr">
+                <a:lumMod val="99000"/>
+                <a:satMod val="120000"/>
+                <a:shade val="78000"/>
+              </a:schemeClr>
+            </a:gs>
+          </a:gsLst>
+          <a:lin ang="5400000" scaled="0"/>
+        </a:gradFill>
+      </a:fillStyleLst>
+      <a:lnStyleLst>
+        <a:ln w="12700" cap="flat" cmpd="sng" algn="ctr">
+          <a:solidFill>
+            <a:schemeClr val="phClr"/>
+          </a:solidFill>
+          <a:prstDash val="solid"/>
+          <a:miter lim="800000"/>
+        </a:ln>
+        <a:ln w="19050" cap="flat" cmpd="sng" algn="ctr">
+          <a:solidFill>
+            <a:schemeClr val="phClr"/>
+          </a:solidFill>
+          <a:prstDash val="solid"/>
+          <a:miter lim="800000"/>
+        </a:ln>
+        <a:ln w="25400" cap="flat" cmpd="sng" algn="ctr">
+          <a:solidFill>
+            <a:schemeClr val="phClr"/>
+          </a:solidFill>
+          <a:prstDash val="solid"/>
+          <a:miter lim="800000"/>
+        </a:ln>
+      </a:lnStyleLst>
+      <a:effectStyleLst>
+        <a:effectStyle>
+          <a:effectLst/>
+        </a:effectStyle>
+        <a:effectStyle>
+          <a:effectLst/>
+        </a:effectStyle>
+        <a:effectStyle>
+          <a:effectLst>
+            <a:outerShdw blurRad="57150" dist="19050" dir="5400000" algn="ctr" rotWithShape="0">
+              <a:srgbClr val="000000">
+                <a:alpha val="63000"/>
+              </a:srgbClr>
+            </a:outerShdw>
+          </a:effectLst>
+        </a:effectStyle>
+      </a:effectStyleLst>
+      <a:bgFillStyleLst>
+        <a:solidFill>
+          <a:schemeClr val="phClr"/>
+        </a:solidFill>
+        <a:solidFill>
+          <a:schemeClr val="phClr">
+            <a:tint val="95000"/>
+            <a:satMod val="170000"/>
+          </a:schemeClr>
+        </a:solidFill>
+        <a:gradFill rotWithShape="1">
+          <a:gsLst>
+            <a:gs pos="0">
+              <a:schemeClr val="phClr">
+                <a:tint val="93000"/>
+                <a:satMod val="150000"/>
+                <a:shade val="98000"/>
+                <a:lumMod val="102000"/>
+              </a:schemeClr>
+            </a:gs>
+            <a:gs pos="50000">
+              <a:schemeClr val="phClr">
+                <a:tint val="98000"/>
+                <a:satMod val="130000"/>
+                <a:shade val="90000"/>
+                <a:lumMod val="103000"/>
+              </a:schemeClr>
+            </a:gs>
+            <a:gs pos="100000">
+              <a:schemeClr val="phClr">
+                <a:shade val="63000"/>
+                <a:satMod val="120000"/>
+              </a:schemeClr>
+            </a:gs>
+          </a:gsLst>
+          <a:lin ang="5400000" scaled="0"/>
+        </a:gradFill>
+      </a:bgFillStyleLst>
+    </a:fmtScheme>
+  </a:themeElements>
+  <a:objectDefaults>
+    <a:lnDef>
+      <a:spPr/>
+      <a:bodyPr/>
+      <a:lstStyle/>
+      <a:style>
+        <a:lnRef idx="2">
+          <a:schemeClr val="accent1"/>
+        </a:lnRef>
+        <a:fillRef idx="0">
+          <a:schemeClr val="accent1"/>
+        </a:fillRef>
+        <a:effectRef idx="1">
+          <a:schemeClr val="accent1"/>
+        </a:effectRef>
+        <a:fontRef idx="minor">
+          <a:schemeClr val="tx1"/>
+        </a:fontRef>
+      </a:style>
+    </a:lnDef>
+  </a:objectDefaults>
+  <a:extraClrSchemeLst/>
+  <a:extLst>
+    <a:ext uri="{05A4C25C-085E-4340-85A3-A5531E510DB2}">
+      <thm15:themeFamily xmlns:thm15="http://schemas.microsoft.com/office/thememl/2012/main" name="Office Theme" id="{2E142A2C-CD16-42D6-873A-C26D2A0506FA}" vid="{1BDDFF52-6CD6-40A5-AB3C-68EB2F1E4D0A}"/>
+    </a:ext>
+  </a:extLst>
+</a:theme>
 </file>
--- a/理想风驱动.pptx
+++ b/理想风驱动.pptx
@@ -5,7 +5,7 @@
     <p:sldMasterId id="2147483648" r:id="rId1"/>
   </p:sldMasterIdLst>
   <p:notesMasterIdLst>
-    <p:notesMasterId r:id="rId11"/>
+    <p:notesMasterId r:id="rId12"/>
   </p:notesMasterIdLst>
   <p:sldIdLst>
     <p:sldId id="256" r:id="rId2"/>
@@ -17,6 +17,7 @@
     <p:sldId id="262" r:id="rId8"/>
     <p:sldId id="264" r:id="rId9"/>
     <p:sldId id="265" r:id="rId10"/>
+    <p:sldId id="266" r:id="rId11"/>
   </p:sldIdLst>
   <p:sldSz cx="12192000" cy="6858000"/>
   <p:notesSz cx="6858000" cy="9144000"/>
@@ -3853,6 +3854,120 @@
 </p:sld>
 </file>
 
+<file path=ppt/slides/slide10.xml><?xml version="1.0" encoding="utf-8"?>
+<p:sld xmlns:a="http://schemas.openxmlformats.org/drawingml/2006/main" xmlns:r="http://schemas.openxmlformats.org/officeDocument/2006/relationships" xmlns:p="http://schemas.openxmlformats.org/presentationml/2006/main">
+  <p:cSld>
+    <p:spTree>
+      <p:nvGrpSpPr>
+        <p:cNvPr id="1" name=""/>
+        <p:cNvGrpSpPr/>
+        <p:nvPr/>
+      </p:nvGrpSpPr>
+      <p:grpSpPr>
+        <a:xfrm>
+          <a:off x="0" y="0"/>
+          <a:ext cx="0" cy="0"/>
+          <a:chOff x="0" y="0"/>
+          <a:chExt cx="0" cy="0"/>
+        </a:xfrm>
+      </p:grpSpPr>
+      <p:sp>
+        <p:nvSpPr>
+          <p:cNvPr id="2" name="标题 1">
+            <a:extLst>
+              <a:ext uri="{FF2B5EF4-FFF2-40B4-BE49-F238E27FC236}">
+                <a16:creationId xmlns:a16="http://schemas.microsoft.com/office/drawing/2014/main" id="{BA4843E5-91A4-37A1-277B-7C275911243F}"/>
+              </a:ext>
+            </a:extLst>
+          </p:cNvPr>
+          <p:cNvSpPr>
+            <a:spLocks noGrp="1"/>
+          </p:cNvSpPr>
+          <p:nvPr>
+            <p:ph type="title"/>
+          </p:nvPr>
+        </p:nvSpPr>
+        <p:spPr/>
+        <p:txBody>
+          <a:bodyPr/>
+          <a:lstStyle/>
+          <a:p>
+            <a:endParaRPr lang="zh-CN" altLang="en-US"/>
+          </a:p>
+        </p:txBody>
+      </p:sp>
+      <p:pic>
+        <p:nvPicPr>
+          <p:cNvPr id="7" name="内容占位符 6">
+            <a:extLst>
+              <a:ext uri="{FF2B5EF4-FFF2-40B4-BE49-F238E27FC236}">
+                <a16:creationId xmlns:a16="http://schemas.microsoft.com/office/drawing/2014/main" id="{FE10F5D6-9258-E144-8994-BEBEF39344EB}"/>
+              </a:ext>
+            </a:extLst>
+          </p:cNvPr>
+          <p:cNvPicPr>
+            <a:picLocks noGrp="1" noChangeAspect="1"/>
+          </p:cNvPicPr>
+          <p:nvPr>
+            <p:ph idx="1"/>
+          </p:nvPr>
+        </p:nvPicPr>
+        <p:blipFill>
+          <a:blip r:embed="rId2"/>
+          <a:stretch>
+            <a:fillRect/>
+          </a:stretch>
+        </p:blipFill>
+        <p:spPr>
+          <a:xfrm>
+            <a:off x="3403050" y="494290"/>
+            <a:ext cx="6325150" cy="5869420"/>
+          </a:xfrm>
+        </p:spPr>
+      </p:pic>
+      <p:pic>
+        <p:nvPicPr>
+          <p:cNvPr id="5" name="图片 4">
+            <a:extLst>
+              <a:ext uri="{FF2B5EF4-FFF2-40B4-BE49-F238E27FC236}">
+                <a16:creationId xmlns:a16="http://schemas.microsoft.com/office/drawing/2014/main" id="{EEC71E7C-93F2-6626-AD71-D8731A2655CD}"/>
+              </a:ext>
+            </a:extLst>
+          </p:cNvPr>
+          <p:cNvPicPr>
+            <a:picLocks noChangeAspect="1"/>
+          </p:cNvPicPr>
+          <p:nvPr/>
+        </p:nvPicPr>
+        <p:blipFill>
+          <a:blip r:embed="rId3"/>
+          <a:stretch>
+            <a:fillRect/>
+          </a:stretch>
+        </p:blipFill>
+        <p:spPr>
+          <a:xfrm>
+            <a:off x="999103" y="0"/>
+            <a:ext cx="6570097" cy="6858000"/>
+          </a:xfrm>
+          <a:prstGeom prst="rect">
+            <a:avLst/>
+          </a:prstGeom>
+        </p:spPr>
+      </p:pic>
+    </p:spTree>
+    <p:extLst>
+      <p:ext uri="{BB962C8B-B14F-4D97-AF65-F5344CB8AC3E}">
+        <p14:creationId xmlns:p14="http://schemas.microsoft.com/office/powerpoint/2010/main" val="2101715918"/>
+      </p:ext>
+    </p:extLst>
+  </p:cSld>
+  <p:clrMapOvr>
+    <a:masterClrMapping/>
+  </p:clrMapOvr>
+</p:sld>
+</file>
+
 <file path=ppt/slides/slide2.xml><?xml version="1.0" encoding="utf-8"?>
 <p:sld xmlns:a="http://schemas.openxmlformats.org/drawingml/2006/main" xmlns:r="http://schemas.openxmlformats.org/officeDocument/2006/relationships" xmlns:p="http://schemas.openxmlformats.org/presentationml/2006/main">
   <p:cSld>
@@ -5119,31 +5234,6 @@
           <a:chExt cx="0" cy="0"/>
         </a:xfrm>
       </p:grpSpPr>
-      <p:sp>
-        <p:nvSpPr>
-          <p:cNvPr id="2" name="标题 1">
-            <a:extLst>
-              <a:ext uri="{FF2B5EF4-FFF2-40B4-BE49-F238E27FC236}">
-                <a16:creationId xmlns:a16="http://schemas.microsoft.com/office/drawing/2014/main" id="{FB9C7BEB-DD99-27F2-768E-A61F97AAB334}"/>
-              </a:ext>
-            </a:extLst>
-          </p:cNvPr>
-          <p:cNvSpPr>
-            <a:spLocks noGrp="1"/>
-          </p:cNvSpPr>
-          <p:nvPr>
-            <p:ph type="title"/>
-          </p:nvPr>
-        </p:nvSpPr>
-        <p:spPr/>
-        <p:txBody>
-          <a:bodyPr/>
-          <a:lstStyle/>
-          <a:p>
-            <a:endParaRPr lang="zh-CN" altLang="en-US"/>
-          </a:p>
-        </p:txBody>
-      </p:sp>
       <p:pic>
         <p:nvPicPr>
           <p:cNvPr id="7" name="内容占位符 6">
@@ -5195,8 +5285,8 @@
         </p:blipFill>
         <p:spPr>
           <a:xfrm>
-            <a:off x="448565" y="285991"/>
-            <a:ext cx="6257035" cy="3295752"/>
+            <a:off x="712069" y="92027"/>
+            <a:ext cx="6534126" cy="3441703"/>
           </a:xfrm>
           <a:prstGeom prst="rect">
             <a:avLst/>

--- a/理想风驱动.pptx
+++ b/理想风驱动.pptx
@@ -5,7 +5,7 @@
     <p:sldMasterId id="2147483648" r:id="rId1"/>
   </p:sldMasterIdLst>
   <p:notesMasterIdLst>
-    <p:notesMasterId r:id="rId12"/>
+    <p:notesMasterId r:id="rId13"/>
   </p:notesMasterIdLst>
   <p:sldIdLst>
     <p:sldId id="256" r:id="rId2"/>
@@ -15,9 +15,10 @@
     <p:sldId id="260" r:id="rId6"/>
     <p:sldId id="261" r:id="rId7"/>
     <p:sldId id="262" r:id="rId8"/>
-    <p:sldId id="264" r:id="rId9"/>
-    <p:sldId id="265" r:id="rId10"/>
-    <p:sldId id="266" r:id="rId11"/>
+    <p:sldId id="267" r:id="rId9"/>
+    <p:sldId id="264" r:id="rId10"/>
+    <p:sldId id="265" r:id="rId11"/>
+    <p:sldId id="266" r:id="rId12"/>
   </p:sldIdLst>
   <p:sldSz cx="12192000" cy="6858000"/>
   <p:notesSz cx="6858000" cy="9144000"/>
@@ -151,7 +152,7 @@
           <inkml:channelProperty channel="T" name="resolution" value="1" units="1/dev"/>
         </inkml:channelProperties>
       </inkml:inkSource>
-      <inkml:timestamp xml:id="ts0" timeString="2025-03-18T06:04:17.783"/>
+      <inkml:timestamp xml:id="ts0" timeString="2025-03-19T15:42:38.809"/>
     </inkml:context>
     <inkml:brush xml:id="br0">
       <inkml:brushProperty name="width" value="0.05292" units="cm"/>
@@ -159,36 +160,187 @@
       <inkml:brushProperty name="color" value="#FF0000"/>
     </inkml:brush>
   </inkml:definitions>
-  <inkml:trace contextRef="#ctx0" brushRef="#br0">17859 11800 0,'-13'14'62,"0"12"-31,-14 14-15,14 13 0,-40 105 15,40-91 0</inkml:trace>
-  <inkml:trace contextRef="#ctx0" brushRef="#br0" timeOffset="689.33">17925 11893 0,'0'0'0,"0"26"78,40 94-47,-14-68-15,27 41 15,-53-80-15,14-13 46,12-53-46,27-92-1,0-14 17,-40 106-17,-13 40 1,0-27 0,0 27-1,0 0 1</inkml:trace>
-  <inkml:trace contextRef="#ctx0" brushRef="#br0" timeOffset="1635.77">18243 12158 0,'0'-14'16,"53"41"46,-40-14-15,13 27-15,-26-27-17,0 0 16,14-13-31,-14 13 32,0 1 15,26-1-16,-26 0 0,13-13 0,1 0 79</inkml:trace>
-  <inkml:trace contextRef="#ctx0" brushRef="#br0" timeOffset="2220.26">18455 12197 0,'-14'0'31,"-12"0"0,-1 14 1,1-1-1,13 0-15,-67 27 15,41-1 0,52-39 78</inkml:trace>
-  <inkml:trace contextRef="#ctx0" brushRef="#br0" timeOffset="3000.44">18613 12171 0,'53'-13'94,"13"-1"-79,-39 14 1,65-13 0,-39 0 15,-26 13 0,-40 0 94</inkml:trace>
-  <inkml:trace contextRef="#ctx0" brushRef="#br0" timeOffset="3578.17">18825 11999 0,'-13'13'46,"13"0"-30,-14 53 15,14 1-15,0-28-16,-13 54 31,13-53 0,13-40 79</inkml:trace>
-  <inkml:trace contextRef="#ctx0" brushRef="#br0" timeOffset="4147.39">19209 11946 0,'0'-13'15,"0"26"32,0 40-31,0 53 0,-14 39 15,14-52 0,0-67-15,0 40-1</inkml:trace>
-  <inkml:trace contextRef="#ctx0" brushRef="#br0" timeOffset="7761.83">16854 12224 0,'-13'0'78,"-14"26"-62,-26 40 15,27-13 0,12-40 0,1 1-15,0-14 62,13 13-47,-13 0 1,13 0-1,-13-13 94</inkml:trace>
-  <inkml:trace contextRef="#ctx0" brushRef="#br0" timeOffset="9339.19">16867 12197 0,'0'14'78,"0"12"-62,0 0-16,0 41 31,13 12 0,-13-66 1,13-39 124,1-27-140,12-13 15,-13 0-16,1 13 1,-14 39 0,13-12-1</inkml:trace>
-  <inkml:trace contextRef="#ctx0" brushRef="#br0" timeOffset="10147.02">17013 12396 0,'13'-14'31,"-26"28"-31,39-28 32,-13 14-1,0 14 0,54 39 0,-41-27-31,1 1 32,-14-14-17,-13 0 16,26-13 110,-13 0-125,-13-13-1</inkml:trace>
-  <inkml:trace contextRef="#ctx0" brushRef="#br0" timeOffset="10684.75">17211 12422 0,'-13'0'16,"0"0"0,-14 40-1,14-27 1,-40 40 0,-13 13 15,39-39 0,14-27-15,13 13 31</inkml:trace>
-  <inkml:trace contextRef="#ctx0" brushRef="#br0" timeOffset="12532.79">15690 12184 0,'-14'0'141,"1"13"-126,-13 40 17,-93 159-17,79-133 16,40-66 1</inkml:trace>
-  <inkml:trace contextRef="#ctx0" brushRef="#br0" timeOffset="13372.12">15676 12224 0,'14'0'109,"12"79"-77,1-39-17,25 52 1,-12-39-1,-40-66 110,0-40-109,0 40 0,13-66-1,-13 52 1,14 14 0,-1-40-1,-13 40 1,0-27-1</inkml:trace>
-  <inkml:trace contextRef="#ctx0" brushRef="#br0" timeOffset="14233.9">15981 12396 0,'0'0'0,"0"-14"63,39 14-32,-25 0 0,12 27 0,-13-1-15,27 54 15,-14-41 1,-12-25-17,-1-14 126</inkml:trace>
-  <inkml:trace contextRef="#ctx0" brushRef="#br0" timeOffset="14796.35">16166 12422 0,'-27'0'47,"1"27"-16,-14 12 0,-39 41 1,79-67-17,-13 0 16</inkml:trace>
-  <inkml:trace contextRef="#ctx0" brushRef="#br0" timeOffset="26857.17">14049 17568 0,'0'-13'15,"0"26"64,-13-13-64,13 14 1,-13 12-1,13-13 1,0 0 0,-13 14 15,13-14-15,-14 0 15,14 14 0,-13-27 0,13 13 63</inkml:trace>
-  <inkml:trace contextRef="#ctx0" brushRef="#br0" timeOffset="28045.94">14155 17648 0,'0'-14'31,"26"1"63,14-26-48,-13 25-14,-14 1-1,-13 26 110,-13 14-126,-1-1 16,1 14-15,0-27 15,13 0 16,-13 1-31,-1-1 15,1-13 16,0 13-31,26-26 77,14-14-61,-14 14-1</inkml:trace>
-  <inkml:trace contextRef="#ctx0" brushRef="#br0" timeOffset="29616.37">14367 17634 0,'39'-39'235,"-12"12"-220,13 1 1,-14 13 15,-13-1 0,0 14 63,-13 14-78,0 39-1,27-1 17,-27-25-17,0-1 17,0-12-17,0-1 1,0 0-1,-13 14 17,-14-14-1,14 13 0,0-26-15,0 0-1,-1 0 142,-12-53-142,26 40 1,-40-40 0,40 40 15,-13 0-16,0-14 1,13 14 15,0 0 1</inkml:trace>
-  <inkml:trace contextRef="#ctx0" brushRef="#br0" timeOffset="45375.26">20121 11972 0,'27'0'47,"26"0"-32,13-13 1,66 0-1,-39 13 17,-80 0-1,-53 26 31,27-12-46</inkml:trace>
-  <inkml:trace contextRef="#ctx0" brushRef="#br0" timeOffset="45738.42">20082 12184 0,'0'0'0,"79"0"16,-26 0 15,106 0 0,-146 0-31</inkml:trace>
-  <inkml:trace contextRef="#ctx0" brushRef="#br0" timeOffset="46468.74">20836 11933 0,'-13'26'47,"13"-13"-32,0 54 1,0-54 0,0 40 15,0-40-15,0 0-1,0 0 1,0 1-1,0 25 32,0-25-15,0 12-1,0-13 0</inkml:trace>
-  <inkml:trace contextRef="#ctx0" brushRef="#br0" timeOffset="47511.25">21100 12039 0,'-26'13'63,"13"13"-32,-1 14-15,14-27-1,0 27 17,0-27-32,14 27 31,52 13-15,26-14 15,1-25 0,-80-14-15,14-14 15,-14 1 0,-13-13-15,0-1 15,0-12 0,-13-1 1,-27-13-17,-13-26 16,27 65 1,12 14-1,-12-13-15,-14 13 15,-13 0 0,14 0 0,52 0 79,0 0-110</inkml:trace>
-  <inkml:trace contextRef="#ctx0" brushRef="#br0" timeOffset="48159.65">21801 11893 0,'-13'0'15,"-26"79"16,25 27-15,14-40 0,0 53 15,0-66 0,0-13 0,14-14-15</inkml:trace>
-  <inkml:trace contextRef="#ctx0" brushRef="#br0" timeOffset="51747.37">754 476 0,'-13'13'125,"-27"67"-94,40-67-15,-13 53-1,13-39-15,-27 26 31,27-40-15</inkml:trace>
-  <inkml:trace contextRef="#ctx0" brushRef="#br0" timeOffset="52659.59">780 542 0,'14'0'141,"25"93"-110,-39-80-15,13 14 15,1-27 188,12-27-204,1-26 17,-14 0-17,40-13 16,-27 0 1</inkml:trace>
-  <inkml:trace contextRef="#ctx0" brushRef="#br0" timeOffset="53457.93">979 622 0,'13'0'94,"13"39"-63,27 14 0,-53-39 1,14-14 140,-1 0-141</inkml:trace>
-  <inkml:trace contextRef="#ctx0" brushRef="#br0" timeOffset="54313.36">1190 648 0,'-13'0'110,"-13"13"-95,-27 27 1,26 0 15,14-40 1,13 26 280,0 133-296,0-27 15,13-105 0</inkml:trace>
-  <inkml:trace contextRef="#ctx0" brushRef="#br0" timeOffset="54814.57">1296 754 0,'40'-13'15,"92"-14"1,-52 1 0,12 13 15,-79 13 0</inkml:trace>
-  <inkml:trace contextRef="#ctx0" brushRef="#br0" timeOffset="55504.84">1534 569 0,'-13'0'78,"0"106"-47,13-27 1,0-39-17,0-1 1,0-12-1</inkml:trace>
-  <inkml:trace contextRef="#ctx0" brushRef="#br0" timeOffset="56312.23">1865 516 0,'0'13'93,"-26"93"-61,12-27-1,14 40 0,-13-92-15,13-1 15</inkml:trace>
+  <inkml:trace contextRef="#ctx0" brushRef="#br0">16166 11007 0,'0'13'141,"0"40"-110,0 0 0,13-14 0,-13-12-15,13-27 0,-13 13-1,14-13 1,12 0 78,93-53-63,-79 13 0,13-12 0,-40 25 1,0-13-1,-13 27 0,0 0 188,0 0-157,-26 105 235,12-12-265,14 26-17,0-93 220,0 0-204</inkml:trace>
+  <inkml:trace contextRef="#ctx0" brushRef="#br0" timeOffset="6663.5">16219 13031 0,'0'26'78,"0"-13"-62,0 1-1,0-1 1,0 13-1,0 54 1,0-67 0,0 0 15,0 27 0,0-27 16,26-13-16,-13 0-15,27 13 0,-27-13-1,14 0 16,-14-13 1,14-13-17,-14-1 17,-13 14-17,26-14 1,-13-12 15,-13 26-15,0-14 15,14-13 0,-14 27-15,0-26-1,0 65 220,0 119-204,0-92 0,0-13 1,0-27-17,0 1 1,13 12-1</inkml:trace>
+  <inkml:trace contextRef="#ctx0" brushRef="#br0" timeOffset="12439.87">16298 15094 0,'13'0'125,"27"93"-94,-13-27 0,-14-39 0,0 39-15,0-66 15,0 0 63,-13-13-78,93-199 15,-80 146-15,-13 26 15,0 27-16,0-14 17</inkml:trace>
+  <inkml:trace contextRef="#ctx0" brushRef="#br0" timeOffset="14420">16258 17026 0,'0'13'125,"0"14"-93,0 78-1,14-38 0,-1 25 0,0-79-15,27 80 15,-27-40 1,0-40-1,-13-26 78,0 0-93,66-239-1,-26 94 17,-27 91-17,1 41 1,-14 13 15</inkml:trace>
+</inkml:ink>
+</file>
+
+<file path=ppt/ink/ink2.xml><?xml version="1.0" encoding="utf-8"?>
+<inkml:ink xmlns:inkml="http://www.w3.org/2003/InkML">
+  <inkml:definitions>
+    <inkml:context xml:id="ctx0">
+      <inkml:inkSource xml:id="inkSrc0">
+        <inkml:traceFormat>
+          <inkml:channel name="X" type="integer" max="3440" units="cm"/>
+          <inkml:channel name="Y" type="integer" max="1440" units="cm"/>
+          <inkml:channel name="T" type="integer" max="2.14748E9" units="dev"/>
+        </inkml:traceFormat>
+        <inkml:channelProperties>
+          <inkml:channelProperty channel="X" name="resolution" value="43.10777" units="1/cm"/>
+          <inkml:channelProperty channel="Y" name="resolution" value="43.11377" units="1/cm"/>
+          <inkml:channelProperty channel="T" name="resolution" value="1" units="1/dev"/>
+        </inkml:channelProperties>
+      </inkml:inkSource>
+      <inkml:timestamp xml:id="ts0" timeString="2025-03-19T13:32:57.029"/>
+    </inkml:context>
+    <inkml:brush xml:id="br0">
+      <inkml:brushProperty name="width" value="0.05292" units="cm"/>
+      <inkml:brushProperty name="height" value="0.05292" units="cm"/>
+      <inkml:brushProperty name="color" value="#FF0000"/>
+    </inkml:brush>
+  </inkml:definitions>
+  <inkml:trace contextRef="#ctx0" brushRef="#br0">11456 2633 0,'27'0'94,"79"0"-79,66-14 17,26-12-1,-158 13-15,92 13 15,40-14 0,-106 14 0,-26 0-15,26 0 15,-26 0 0,-1 0-15,54 0 15,13 0 1,-14 0-17,-39 14 16,-26-14 1</inkml:trace>
+  <inkml:trace contextRef="#ctx0" brushRef="#br0" timeOffset="1659.67">16735 2540 0,'13'0'109,"27"0"-93,13 13-1,-27-13 1,93 0-1,-66 0 1,-13 0-16,26 0 16,79 0 15,-65 13-15,39 1-1,-27-1 1,-39 0-1,27-13 1,-54 0 0,27 0-1,-40 0-15,14 0 16,26 0 15,-27 0-15,1 0-1,-14 0 1,13 0 125,1 0-110,12 0-15,-12 0-16,-14 0 15,40 0 1,-27 0 15</inkml:trace>
+  <inkml:trace contextRef="#ctx0" brushRef="#br0" timeOffset="5926.7">16047 5649 0,'13'0'188,"27"0"-157,26 0 0,-26 0-15,39 0 0,27 0 15,-14 0 0,-52 0-15,-27 0-1,14 0 1,-14 0 15,0 0 16,53 0-16,14 0 1,-1 0-17,80 0 17,-53 0-17,52 0 16,-52 0 1,-79 0-17,39 0 17,-26 0-1,-14 0-16,0 0 17,14 0-1,-27 0-15,1 0 296</inkml:trace>
+  <inkml:trace contextRef="#ctx0" brushRef="#br0" timeOffset="8563.04">20214 2183 0,'-40'66'109,"1"-13"-93,-120 225-1,119-225 1,-119 211-1,67-132 1,-27 67 0,-14 13-1,81-120 1,-134 146 0,94-158 15,26-14 0,52-66-15,14 13-1,-26 0 48,-53 53-32,65-39-15,-52 13-1,-40 52 17,27 27-17,26-53-15,40-26 16,-106 79 15,26-26 0,80-80-15,0 0 15</inkml:trace>
+  <inkml:trace contextRef="#ctx0" brushRef="#br0" timeOffset="9361.24">18415 4286 0,'-13'0'31,"-14"27"0,-52 79-15,-54 118 15,67-131 0,53-67-31,-13 14 16,-1-13 15,54-27 32,-1 0-48,-13 0 16,186 26 1,-173-26-17,14 0 17,-14 0 77,1 0-93,26 0 15,-27 0 0,27 0-15</inkml:trace>
+  <inkml:trace contextRef="#ctx0" brushRef="#br0" timeOffset="10577.28">20042 1759 0,'0'0'0,"-53"-26"16,-66 13 15,-119 0 0,-40 13 1,119 0-1,14 0-16,-120 0 17,212 0-17,14 13 1,-67 0 15,53-13-15,-13 26-1,53-26 1,-27 14 15,-13-1-15,53 0 0,-27 0 15</inkml:trace>
+  <inkml:trace contextRef="#ctx0" brushRef="#br0" timeOffset="11329.4">18362 1601 0,'0'0'0,"-27"0"31,1 13-15,-27 13 0,0 14 15,-39 0-16,78-27 1,-12 0 15,132 14 47,66 26-46,-66-40-1,-93 0-15,26-13 15,-39 13 94</inkml:trace>
+  <inkml:trace contextRef="#ctx0" brushRef="#br0" timeOffset="12744">20479 1164 0,'-14'0'16,"1"-13"15,-13 13-15,-1-13-16,1 13 16,-14 0-1,-26-27 1,-582-105 15,330 66-15,-52-14-1,-54 28 1,-237-1 15,529 53-15,-186-14-1,199 14 1,-1508 67 15,1336-54-15,172 0 0,-40 13-1,-92 1 16,185-14-31,-93 14 16,-198 25 15,185-12 1,66-13-17,66-14 1,-66 0-1,-26 40 17,79-40-17,-13 27 17,26-14-1,27-26-16,0 0 17,13 14-1,-27-1 0,1 13-15,-14 1 15,14-14-15,-14 13-1,27-26 1,-14 0 15,14 14 0,0-14 1,0 0-17</inkml:trace>
+  <inkml:trace contextRef="#ctx0" brushRef="#br0" timeOffset="13591.74">13282 1072 0,'0'13'16,"-27"13"31,-65 54-16,-67 12 0,40-39-15,13 0 15,119-53 63,93 13-79,13 27 1,93 0 15,-172-40 0</inkml:trace>
+  <inkml:trace contextRef="#ctx0" brushRef="#br0" timeOffset="15354.53">20796 1455 0,'27'13'94,"-14"1"-78,0-1-1,0-13 1,0 26-1,1-12 1,-1-1 15,-13 0-15,13 40 0,0-13 15,-13-27-16,0 0 17,0 0-17,0 27 17,0-27 14,27-13-14,-14 0-17,14 0 1,-14 0 0,0 0-1,0 0 1,-13-26-1,13-14 17,-13 14-17,0-40 17,0 52-17,0-12 1,14-14 15,-14 27-15,0-14-1,0-12 1,0 26 15</inkml:trace>
+  <inkml:trace contextRef="#ctx0" brushRef="#br0" timeOffset="27030.28">17039 3691 0,'0'-13'109,"26"13"-78,14 0-15,13 0 0,26 0-1,67 0 16,-106 0-15,13 0 0,66 0-1,0 0 17,-80 0-17,-25 0 1,25 0-1,14 0 1,79 0 0,-52 0 15,12 0 0,41 0 16,-94 0-31,1-14 15,-27 14 0</inkml:trace>
+  <inkml:trace contextRef="#ctx0" brushRef="#br0" timeOffset="28614.1">20492 1839 0,'-13'0'15,"-1"0"1,-12 13 0,-1 0-1,-52 27 1,-212 145 15,198-132-15,-131 106 15,-1-27-15,-27 14-1,67-27 16,92-53-15,54-53 0,-27 40-1,66-40 32,-14-13-16,1 0-15,-27 53 0,27-40 15,-13 14-15,13-14-1,-54 27 1</inkml:trace>
+  <inkml:trace contextRef="#ctx0" brushRef="#br0" timeOffset="29562.11">18785 2805 0,'-13'13'47,"-80"40"0,54-14-32,12-25 1,14-1-1,-80 53 17,41-40-17,25 1 17,40-27 77,172 0-93,-13 0 15,-92 0-16,-40 0 17,-14 0-17,-13 0 1,14 0 15</inkml:trace>
+  <inkml:trace contextRef="#ctx0" brushRef="#br0" timeOffset="165052.98">12581 4551 0,'13'-13'78,"0"13"-46,0 0-17,27 0 17,-27 0-32,1 0 31,-1 0 31,-13 13-15,13 0-16,0 66 1,14-65-1,-14-1 0,-13 0 16,13 0-16,0-13 63,54-26-63,-1-67 1,-27 1-17,-12 52 16,-27 27 1</inkml:trace>
+  <inkml:trace contextRef="#ctx0" brushRef="#br0" timeOffset="167282.95">13123 4511 0,'13'0'109,"14"0"-93,13 0 15,-14 0-15,14 0-1,-27 0 1,13 0 15,1 0 0,-14 0-15</inkml:trace>
+  <inkml:trace contextRef="#ctx0" brushRef="#br0" timeOffset="168106.93">13269 4379 0,'0'13'109,"0"0"-93,-66 252 15,52-252-15,14 27-1</inkml:trace>
+  <inkml:trace contextRef="#ctx0" brushRef="#br0" timeOffset="169348.98">13520 4392 0,'-13'13'125,"0"40"-109,-14-13 15,27-14-15,0 1-1,0-14 329,-13 0-328,0 14-1,13 12 1</inkml:trace>
+  <inkml:trace contextRef="#ctx0" brushRef="#br0" timeOffset="172685.17">20703 4564 0,'40'-26'141,"0"-1"-110,-27 27-31,0 0 16,1 0 31,-1 0-32,0 0 1,0 0 31,0 0 78,-13 27-110,14 12 17,-14-25-17,13-1 1,0 26 0,-13-12 15,13-27-16,-13 13 17,0 0-1,27-13 266,-27-13-282,0 0 1,13-14 0,-13 1 15,0 0 0,0 12-15,13 1 15,-13-13 0,0 12-15,0 1 0,0-13-1,0 12 16,0-12 1,0 13 15,0 0-32</inkml:trace>
+  <inkml:trace contextRef="#ctx0" brushRef="#br0" timeOffset="173738.61">21193 4551 0,'13'0'78,"53"13"-62,-39-13-16,12 0 16,1 0 15,-27 0 0</inkml:trace>
+  <inkml:trace contextRef="#ctx0" brushRef="#br0" timeOffset="174424.22">21709 4432 0,'0'13'63,"0"0"-48,0 27 1,0-14 0,0 27-1,0-39 1,0 12-16,0-13 16</inkml:trace>
+</inkml:ink>
+</file>
+
+<file path=ppt/ink/ink3.xml><?xml version="1.0" encoding="utf-8"?>
+<inkml:ink xmlns:inkml="http://www.w3.org/2003/InkML">
+  <inkml:definitions>
+    <inkml:context xml:id="ctx0">
+      <inkml:inkSource xml:id="inkSrc0">
+        <inkml:traceFormat>
+          <inkml:channel name="X" type="integer" max="3440" units="cm"/>
+          <inkml:channel name="Y" type="integer" max="1440" units="cm"/>
+          <inkml:channel name="T" type="integer" max="2.14748E9" units="dev"/>
+        </inkml:traceFormat>
+        <inkml:channelProperties>
+          <inkml:channelProperty channel="X" name="resolution" value="43.10777" units="1/cm"/>
+          <inkml:channelProperty channel="Y" name="resolution" value="43.11377" units="1/cm"/>
+          <inkml:channelProperty channel="T" name="resolution" value="1" units="1/dev"/>
+        </inkml:channelProperties>
+      </inkml:inkSource>
+      <inkml:timestamp xml:id="ts0" timeString="2025-03-19T15:28:30.674"/>
+    </inkml:context>
+    <inkml:brush xml:id="br0">
+      <inkml:brushProperty name="width" value="0.05292" units="cm"/>
+      <inkml:brushProperty name="height" value="0.05292" units="cm"/>
+      <inkml:brushProperty name="color" value="#FF0000"/>
+    </inkml:brush>
+  </inkml:definitions>
+  <inkml:trace contextRef="#ctx0" brushRef="#br0">21418 1707 0,'26'0'171,"-12"0"-155,-1 0 15,13 0-15,54 13 15,-54 0 0,-13-13-15,40 26 15,-26-26-15,39 27 15,-40-14 0,-13-13 16,1 13-31,-1-13 15,0 14-15,0-1 15,1-13-15,25 26 15,-25-12 0,12 12-15,0-13-1,-12 0 1,-1 1 31,27 12-16,26 27 0,-53-40 1,0-13-17,-13 14 1,66 38 0,-52-38 15,-1-1-16,27 40 17,-1 13-1,-39-40-15,40 1-1,-14 39 1,-12-26-1,12-1 1,-13-12 0,0-14-1,1 27 1,-1-27 15,-13 0 0,13 0-15,0 1 15</inkml:trace>
+  <inkml:trace contextRef="#ctx0" brushRef="#br0" timeOffset="1016.54">22370 2566 0,'40'14'109,"-27"12"-78,0-13-15,1 14 0,-1-27-1,-13 13 1,13-13 78,0-26-63,27-27-16,-40 26 1,40-65 15,-27 92 1</inkml:trace>
+</inkml:ink>
+</file>
+
+<file path=ppt/ink/ink4.xml><?xml version="1.0" encoding="utf-8"?>
+<inkml:ink xmlns:inkml="http://www.w3.org/2003/InkML">
+  <inkml:definitions>
+    <inkml:context xml:id="ctx0">
+      <inkml:inkSource xml:id="inkSrc0">
+        <inkml:traceFormat>
+          <inkml:channel name="X" type="integer" max="3440" units="cm"/>
+          <inkml:channel name="Y" type="integer" max="1440" units="cm"/>
+          <inkml:channel name="T" type="integer" max="2.14748E9" units="dev"/>
+        </inkml:traceFormat>
+        <inkml:channelProperties>
+          <inkml:channelProperty channel="X" name="resolution" value="43.10777" units="1/cm"/>
+          <inkml:channelProperty channel="Y" name="resolution" value="43.11377" units="1/cm"/>
+          <inkml:channelProperty channel="T" name="resolution" value="1" units="1/dev"/>
+        </inkml:channelProperties>
+      </inkml:inkSource>
+      <inkml:timestamp xml:id="ts0" timeString="2025-03-19T15:38:36.339"/>
+    </inkml:context>
+    <inkml:brush xml:id="br0">
+      <inkml:brushProperty name="width" value="0.05292" units="cm"/>
+      <inkml:brushProperty name="height" value="0.05292" units="cm"/>
+      <inkml:brushProperty name="color" value="#FF0000"/>
+    </inkml:brush>
+  </inkml:definitions>
+  <inkml:trace contextRef="#ctx0" brushRef="#br0">10266 2818 0,'0'13'172,"0"14"-156,0-1-1,13 0 32,-13-12-16,13 25 1,-13-12-1,13-27 266,40-53-250,27-13-16,-80 53 0,0-1 0,26 1 1</inkml:trace>
+  <inkml:trace contextRef="#ctx0" brushRef="#br0" timeOffset="1567.14">12343 2910 0,'13'0'141,"-13"14"-125,13-14-1,40 79 17,-40-66-17,0 0 16,-13 1-15,14-1 0,-14 0 15,13-13-31,-13 13 78,13-13 31,27-53-93,-14 14 15,-12 26-15,-1-27 0,0 27-1,-13-1 32</inkml:trace>
+  <inkml:trace contextRef="#ctx0" brushRef="#br0" timeOffset="3811.11">16258 2897 0,'14'27'234,"-1"26"-218,-13-27 15,0-13 0,13 0 16,-13 1-31,0-1 15,13-13 125,1-13-140,-1-1-1,13-38 17,14-1-1,-27 26 0</inkml:trace>
+  <inkml:trace contextRef="#ctx0" brushRef="#br0" timeOffset="4830.14">17661 2871 0,'13'26'78,"13"14"-47,-12-27-15,52 66 15,-66-65 0,0 12 0,13-26 16,0-26-15,1 12-32,-1 1 15,0-26-15,53-41 31,-39 27 1</inkml:trace>
+  <inkml:trace contextRef="#ctx0" brushRef="#br0" timeOffset="7109.82">21444 2858 0,'27'26'125,"-27"-13"-110,39 80 1,-12-67 15,-27-13-15,0 1 0,13-14 124,-13-14-124,27-38-1,12-15 1,-39 54 0,14 0-1,-14 0 1,0 0 15</inkml:trace>
+  <inkml:trace contextRef="#ctx0" brushRef="#br0" timeOffset="9614.98">23257 2831 0,'13'27'125,"-13"-14"-109,13 13 15,0-13-15,-13 14-1,14-14 1,12 0 297,-26 1-282,13-14 859,1-27-874,-1 1 0,0-14 15,0 40-15,-13-13-1,13 0 1,1 13-1,-14-27 1,13 14 15,-13 0-15,13 13 15</inkml:trace>
+  <inkml:trace contextRef="#ctx0" brushRef="#br0" timeOffset="17022.33">23071 4339 0,'0'0'0,"27"40"125,-14 0-109,27 39-1,-27-53 1,-13-12 0,13-1 15,1-26 63,25-54-79,-26 41 1,-13 13-1,27-53 1,-14 39 15</inkml:trace>
+  <inkml:trace contextRef="#ctx0" brushRef="#br0" timeOffset="18285.2">16801 4432 0,'13'0'47,"0"26"-16,1-13-15,-14 14 0,13-1-1,26 27 1,1 40-1,-27-53 1,1-40 31,12-40-16,40-53 0,-13 27-15,-26 40 0,-1-27-1,-13 26 1</inkml:trace>
+  <inkml:trace contextRef="#ctx0" brushRef="#br0" timeOffset="19657.43">11205 4286 0,'13'27'78,"14"26"-63,26 79 17,-53-106-17,26-12 17,-13-28 93,40-65-110,0 0 1,0 12 15,-27 28 0</inkml:trace>
+</inkml:ink>
+</file>
+
+<file path=ppt/ink/ink5.xml><?xml version="1.0" encoding="utf-8"?>
+<inkml:ink xmlns:inkml="http://www.w3.org/2003/InkML">
+  <inkml:definitions>
+    <inkml:context xml:id="ctx0">
+      <inkml:inkSource xml:id="inkSrc0">
+        <inkml:traceFormat>
+          <inkml:channel name="X" type="integer" max="3440" units="cm"/>
+          <inkml:channel name="Y" type="integer" max="1440" units="cm"/>
+          <inkml:channel name="T" type="integer" max="2.14748E9" units="dev"/>
+        </inkml:traceFormat>
+        <inkml:channelProperties>
+          <inkml:channelProperty channel="X" name="resolution" value="43.10777" units="1/cm"/>
+          <inkml:channelProperty channel="Y" name="resolution" value="43.11377" units="1/cm"/>
+          <inkml:channelProperty channel="T" name="resolution" value="1" units="1/dev"/>
+        </inkml:channelProperties>
+      </inkml:inkSource>
+      <inkml:timestamp xml:id="ts0" timeString="2025-03-19T15:52:24.136"/>
+    </inkml:context>
+    <inkml:brush xml:id="br0">
+      <inkml:brushProperty name="width" value="0.05292" units="cm"/>
+      <inkml:brushProperty name="height" value="0.05292" units="cm"/>
+      <inkml:brushProperty name="color" value="#FF0000"/>
+    </inkml:brush>
+  </inkml:definitions>
+  <inkml:trace contextRef="#ctx0" brushRef="#br0">3082 9856 0,'27'26'125,"12"93"-93,-25-92-17,12 12 17,27-65 77,40-67-93,-14 1 15,0-14 0,-65 93-31,38-67 31,-52 67 1</inkml:trace>
+  <inkml:trace contextRef="#ctx0" brushRef="#br0" timeOffset="993.02">3162 7871 0,'0'40'63,"13"-27"-47,-13 27-1,13 0 1,0-27 15,1-13-15,-1 0-1,0 0 17,13 0-1,-12 0-16,-1 0 17,0 0-1,0 0-15,27-53-1,-27 27 1,0-1-1,-13 14-15</inkml:trace>
+  <inkml:trace contextRef="#ctx0" brushRef="#br0" timeOffset="1994.13">3082 5940 0,'0'53'109,"27"132"-77,-1-145-1,14-40 0,-27 0-15,0 0-1,53-93 1,40-79 15,-93 132 1</inkml:trace>
+  <inkml:trace contextRef="#ctx0" brushRef="#br0" timeOffset="3080.73">3188 3876 0,'0'0'0,"0"-26"16,0-1 15,13 27 78,1 40-77,-1-27-17,26 40 17,-12-53-1,-14 0 0,80 0-15,-14-79-1,-52 52-15,-1-79 32,-13 53-32,-13 40 46</inkml:trace>
+  <inkml:trace contextRef="#ctx0" brushRef="#br0" timeOffset="3952.64">3175 1601 0,'0'26'78,"13"14"-62,0-27-1,-13 0 1,0 1-16,27 78 16,-14-65-16,0-27 31,0 0 16,1-14-32,25-25 1,54-94 0,-80 94-16,53-41 31,-52 67-16,25-13 1</inkml:trace>
+  <inkml:trace contextRef="#ctx0" brushRef="#br0" timeOffset="33283.1">4180 9141 0,'-26'14'78,"13"12"-63,-1 1 17,-105 92-1,53-14 16,53-91-47,-27 39 15,27-27 32,-40 27-16,27-27 1,12-12-32,-12 12 31,13-26-15</inkml:trace>
+  <inkml:trace contextRef="#ctx0" brushRef="#br0" timeOffset="33973.51">3797 9406 0,'-40'93'78,"-39"12"-47,65-65-15,14-27-16,0 1 31,0-1 16,27-13 47,79 0-78,118 26 15,-171-26 0,-53 13 63,-13 1-94</inkml:trace>
+  <inkml:trace contextRef="#ctx0" brushRef="#br0" timeOffset="34788.53">3598 10067 0,'13'14'31,"-13"-1"-31,106 93 31,-26-14-15,52 14-1,-26-13 17,-27-1-1,-39-39-16,13 27 1,-27-27 0,27-1 15</inkml:trace>
+  <inkml:trace contextRef="#ctx0" brushRef="#br0" timeOffset="35519.76">3625 10041 0,'0'26'16,"-40"107"15,0-1 0,27-79-15,0-40-16,13 14 15</inkml:trace>
+  <inkml:trace contextRef="#ctx0" brushRef="#br0" timeOffset="36058.32">3598 9869 0,'27'0'31,"12"26"0,-25-12-31,-1-1 16,0 0 15,0 0 0,0-13 47,14 40-46,-14-27-17,0-13 1,1 0-1,-1 13 17</inkml:trace>
+  <inkml:trace contextRef="#ctx0" brushRef="#br0" timeOffset="38788.91">3611 10054 0,'14'0'94,"-1"0"-94,27 0 16,26 0 15,-27 0 0,-25 13-15,12-13 15,-13 0 0,1 0-15,12 0 0,-13 0 15</inkml:trace>
+  <inkml:trace contextRef="#ctx0" brushRef="#br0" timeOffset="48756.13">4564 9274 0,'40'39'141,"26"27"-110,-66-52-16,13 12 1,27 27 0,-40-40 15,39 40-15,-25-26 15,-1-14-31,13 27 31,1-27 0,-27 0-15,13-13 0,-13 13-1,13-13 1,-13 14 15</inkml:trace>
+  <inkml:trace contextRef="#ctx0" brushRef="#br0" timeOffset="49527.93">4895 9512 0,'13'0'47,"0"0"-16,14 26 0,-1 1 1,-26-1-17,26 14 17,-12 0-17,-1-27 16,-13 0 1,-66-13 30,26 0-46,-79 0-1,79 13-15,-52-13 32,78 0-1,14 27 47,27-1-47</inkml:trace>
+  <inkml:trace contextRef="#ctx0" brushRef="#br0" timeOffset="50565.03">4696 10901 0,'13'-40'31,"67"-66"1,-27 53-32,92-158 31,-79 92 0,-26 53 0,-27 52-15,1 1 15,-1 0-31,-26 0 172,-1 13-172,-12 0 31,-173-14 1,160 14-17,78 0 126,-12 0-125,-1 0-16</inkml:trace>
+  <inkml:trace contextRef="#ctx0" brushRef="#br0" timeOffset="50878.39">5053 10253 0,'40'66'47,"39"66"-16,-52-92 1</inkml:trace>
+  <inkml:trace contextRef="#ctx0" brushRef="#br0" timeOffset="51786.35">6270 9128 0,'-13'0'16,"0"0"15,0 0-15,0 0-1,-27 27 1,27-14 0,-40 27-16,-40 26 31,-39 66 0,-14-13 0,133-93-15,-27 14 15,14-27 0,26 1-31,-13-14 16,13 13 47</inkml:trace>
+  <inkml:trace contextRef="#ctx0" brushRef="#br0" timeOffset="52577.46">5675 9459 0,'-13'0'16,"-27"53"15,1 13 1,12-13-1,14-13 0,0-14 0,52-26 79,133 0-63,-132 0-16</inkml:trace>
+  <inkml:trace contextRef="#ctx0" brushRef="#br0" timeOffset="53608.55">5530 10226 0,'13'13'78,"79"80"-47,54 13 1,-120-93-32,199 106 31,-198-92-16,-14-27 17,0 13-17,40 26 17,-40-39-17,27 53 16,-27-53 1,-26 0 46,-66 0-63</inkml:trace>
+  <inkml:trace contextRef="#ctx0" brushRef="#br0" timeOffset="54666.6">5516 10173 0,'0'27'63,"0"105"-32,0-26 0,0-93-15,0 0 0,0 1-1,0-1-15</inkml:trace>
+  <inkml:trace contextRef="#ctx0" brushRef="#br0" timeOffset="55055.52">5530 10107 0,'26'0'31,"14"0"-15,119 0-1,-120 0-15,41 0 31,-41 0 1</inkml:trace>
+  <inkml:trace contextRef="#ctx0" brushRef="#br0" timeOffset="80907.74">4021 225 0,'-26'0'47,"0"-13"-31,-14-14-1,13 14 1,-105-13 0,92 12-1,-65 14 1,52-13-16,0 13 15,-199-13 1,173 13-16,13 0 31,26 0-31,1 0 16,-120 0 15,146 0 0,-120 0-15,1 40-16,-14 26 31,107-53-15,12 0 0,-26 0-16,14 14 15,-67 26 16,40-14 1,26-25-1,27-1-15</inkml:trace>
+  <inkml:trace contextRef="#ctx0" brushRef="#br0" timeOffset="81507.83">2011 291 0,'-40'13'32,"27"1"-17,-27 25 1,27-12 15,0-27 16,26 0 0,66 13-32,-66-13 1,14 0 0,13 13-1,-27-13 1,13 0 0</inkml:trace>
+  <inkml:trace contextRef="#ctx0" brushRef="#br0" timeOffset="82176.53">1349 503 0,'13'0'16,"27"26"15,13 27 0,-27-13-15,-12-27 0,65 66-1,-66-79 17,-13-13 93</inkml:trace>
+  <inkml:trace contextRef="#ctx0" brushRef="#br0" timeOffset="82490.37">1574 503 0,'0'0'0,"-26"26"16,-54 27-1,54-40 1,-106 67-1,118-80-15,-39 39 32</inkml:trace>
+  <inkml:trace contextRef="#ctx0" brushRef="#br0" timeOffset="83688.11">1032 2434 0,'13'0'46,"13"13"-30,54 40 15,-67-26-31,80 79 32,-67-93-17</inkml:trace>
+  <inkml:trace contextRef="#ctx0" brushRef="#br0" timeOffset="83988.91">1257 2328 0,'-14'0'15,"-65"93"16,66-80-31,-14 27 16,1-27-16,-67 40 31,80-40-15</inkml:trace>
+  <inkml:trace contextRef="#ctx0" brushRef="#br0" timeOffset="85581.06">1283 4736 0,'53'13'94,"40"53"-63,12-13 0,-91-53 1</inkml:trace>
+  <inkml:trace contextRef="#ctx0" brushRef="#br0" timeOffset="85984.48">1521 4683 0,'-13'0'16,"-27"13"0,14 1-1,-27 12 1,53-13-16,-13 0 31,-14 14 0,14-14 1</inkml:trace>
+  <inkml:trace contextRef="#ctx0" brushRef="#br0" timeOffset="89223.94">1786 6562 0,'13'0'78,"0"13"-78,27 66 32,39 54-1,-65-120-15,-1 0-1,0-13 126</inkml:trace>
+  <inkml:trace contextRef="#ctx0" brushRef="#br0" timeOffset="89592.33">1892 6575 0,'-14'13'31,"28"-26"-31,-41 53 0,-39 26 31,40-53-31,12 27 16,-12-27-16,13 0 16,13 0 15</inkml:trace>
+  <inkml:trace contextRef="#ctx0" brushRef="#br0" timeOffset="91224.77">1733 8824 0,'26'26'110,"40"67"-95,-39-80 17,-27 0-1,0 1-31,13-14 16,14 13 46,-14 0-46,13 14 15</inkml:trace>
+  <inkml:trace contextRef="#ctx0" brushRef="#br0" timeOffset="91632.21">1997 8864 0,'-13'0'15,"0"26"1,0-26-16,-40 40 16,13-14-1,-26 14 1,-13 0 15,39-14-15,27-26 15</inkml:trace>
+  <inkml:trace contextRef="#ctx0" brushRef="#br0" timeOffset="94802.58">1640 10623 0,'0'0'0,"27"26"32,-1 14-17,80 53 16,-80-54 1,-12-25-32,-1-1 15,-13 0 1,13-13 0,-13 13 15,13-13 0</inkml:trace>
+  <inkml:trace contextRef="#ctx0" brushRef="#br0" timeOffset="95675.02">1878 10755 0,'0'-13'94,"0"0"-79,0 0 17,-26 13 15,-40 13-16,13 13-16,-53 40 17,66-39-1,27-1 0,-13-26-15,26 14-1</inkml:trace>
+  <inkml:trace contextRef="#ctx0" brushRef="#br0" timeOffset="100286.59">18931 410 0,'13'40'16,"27"13"-1,-1-14-15,1 1 32,26 39-17,-26-52 17</inkml:trace>
+  <inkml:trace contextRef="#ctx0" brushRef="#br0" timeOffset="100812.15">19182 489 0,'-13'0'31,"0"0"1,-93 67-17,0 52 1,66-66 15,40-27-15,-13 1-1,13-14-15,0 0 32</inkml:trace>
+  <inkml:trace contextRef="#ctx0" brushRef="#br0" timeOffset="101531.94">18878 2408 0,'0'-14'31,"40"41"0,12 39-15,81 93 15,-80-93 0,-40-66-31,-13-13 141</inkml:trace>
+  <inkml:trace contextRef="#ctx0" brushRef="#br0" timeOffset="101830.75">19129 2447 0,'-13'0'16,"-53"53"15,53-39-31,-40 25 31,39-26-15,-38 27 15</inkml:trace>
 </inkml:ink>
 </file>
 
@@ -274,7 +426,7 @@
           <a:p>
             <a:fld id="{CC4E2C19-A07B-48A9-B372-AF099A62855F}" type="datetimeFigureOut">
               <a:rPr lang="zh-CN" altLang="en-US" smtClean="0"/>
-              <a:t>2025/3/18</a:t>
+              <a:t>2025/3/19</a:t>
             </a:fld>
             <a:endParaRPr lang="zh-CN" altLang="en-US"/>
           </a:p>
@@ -744,7 +896,7 @@
           <a:p>
             <a:fld id="{7A8D2564-D4BD-4B39-9CF1-C628194E47CC}" type="datetimeFigureOut">
               <a:rPr lang="zh-CN" altLang="en-US" smtClean="0"/>
-              <a:t>2025/3/18</a:t>
+              <a:t>2025/3/19</a:t>
             </a:fld>
             <a:endParaRPr lang="zh-CN" altLang="en-US"/>
           </a:p>
@@ -942,7 +1094,7 @@
           <a:p>
             <a:fld id="{7A8D2564-D4BD-4B39-9CF1-C628194E47CC}" type="datetimeFigureOut">
               <a:rPr lang="zh-CN" altLang="en-US" smtClean="0"/>
-              <a:t>2025/3/18</a:t>
+              <a:t>2025/3/19</a:t>
             </a:fld>
             <a:endParaRPr lang="zh-CN" altLang="en-US"/>
           </a:p>
@@ -1150,7 +1302,7 @@
           <a:p>
             <a:fld id="{7A8D2564-D4BD-4B39-9CF1-C628194E47CC}" type="datetimeFigureOut">
               <a:rPr lang="zh-CN" altLang="en-US" smtClean="0"/>
-              <a:t>2025/3/18</a:t>
+              <a:t>2025/3/19</a:t>
             </a:fld>
             <a:endParaRPr lang="zh-CN" altLang="en-US"/>
           </a:p>
@@ -1348,7 +1500,7 @@
           <a:p>
             <a:fld id="{7A8D2564-D4BD-4B39-9CF1-C628194E47CC}" type="datetimeFigureOut">
               <a:rPr lang="zh-CN" altLang="en-US" smtClean="0"/>
-              <a:t>2025/3/18</a:t>
+              <a:t>2025/3/19</a:t>
             </a:fld>
             <a:endParaRPr lang="zh-CN" altLang="en-US"/>
           </a:p>
@@ -1623,7 +1775,7 @@
           <a:p>
             <a:fld id="{7A8D2564-D4BD-4B39-9CF1-C628194E47CC}" type="datetimeFigureOut">
               <a:rPr lang="zh-CN" altLang="en-US" smtClean="0"/>
-              <a:t>2025/3/18</a:t>
+              <a:t>2025/3/19</a:t>
             </a:fld>
             <a:endParaRPr lang="zh-CN" altLang="en-US"/>
           </a:p>
@@ -1888,7 +2040,7 @@
           <a:p>
             <a:fld id="{7A8D2564-D4BD-4B39-9CF1-C628194E47CC}" type="datetimeFigureOut">
               <a:rPr lang="zh-CN" altLang="en-US" smtClean="0"/>
-              <a:t>2025/3/18</a:t>
+              <a:t>2025/3/19</a:t>
             </a:fld>
             <a:endParaRPr lang="zh-CN" altLang="en-US"/>
           </a:p>
@@ -2300,7 +2452,7 @@
           <a:p>
             <a:fld id="{7A8D2564-D4BD-4B39-9CF1-C628194E47CC}" type="datetimeFigureOut">
               <a:rPr lang="zh-CN" altLang="en-US" smtClean="0"/>
-              <a:t>2025/3/18</a:t>
+              <a:t>2025/3/19</a:t>
             </a:fld>
             <a:endParaRPr lang="zh-CN" altLang="en-US"/>
           </a:p>
@@ -2441,7 +2593,7 @@
           <a:p>
             <a:fld id="{7A8D2564-D4BD-4B39-9CF1-C628194E47CC}" type="datetimeFigureOut">
               <a:rPr lang="zh-CN" altLang="en-US" smtClean="0"/>
-              <a:t>2025/3/18</a:t>
+              <a:t>2025/3/19</a:t>
             </a:fld>
             <a:endParaRPr lang="zh-CN" altLang="en-US"/>
           </a:p>
@@ -2554,7 +2706,7 @@
           <a:p>
             <a:fld id="{7A8D2564-D4BD-4B39-9CF1-C628194E47CC}" type="datetimeFigureOut">
               <a:rPr lang="zh-CN" altLang="en-US" smtClean="0"/>
-              <a:t>2025/3/18</a:t>
+              <a:t>2025/3/19</a:t>
             </a:fld>
             <a:endParaRPr lang="zh-CN" altLang="en-US"/>
           </a:p>
@@ -2865,7 +3017,7 @@
           <a:p>
             <a:fld id="{7A8D2564-D4BD-4B39-9CF1-C628194E47CC}" type="datetimeFigureOut">
               <a:rPr lang="zh-CN" altLang="en-US" smtClean="0"/>
-              <a:t>2025/3/18</a:t>
+              <a:t>2025/3/19</a:t>
             </a:fld>
             <a:endParaRPr lang="zh-CN" altLang="en-US"/>
           </a:p>
@@ -3153,7 +3305,7 @@
           <a:p>
             <a:fld id="{7A8D2564-D4BD-4B39-9CF1-C628194E47CC}" type="datetimeFigureOut">
               <a:rPr lang="zh-CN" altLang="en-US" smtClean="0"/>
-              <a:t>2025/3/18</a:t>
+              <a:t>2025/3/19</a:t>
             </a:fld>
             <a:endParaRPr lang="zh-CN" altLang="en-US"/>
           </a:p>
@@ -3394,7 +3546,7 @@
           <a:p>
             <a:fld id="{7A8D2564-D4BD-4B39-9CF1-C628194E47CC}" type="datetimeFigureOut">
               <a:rPr lang="zh-CN" altLang="en-US" smtClean="0"/>
-              <a:t>2025/3/18</a:t>
+              <a:t>2025/3/19</a:t>
             </a:fld>
             <a:endParaRPr lang="zh-CN" altLang="en-US"/>
           </a:p>
@@ -3871,6 +4023,122 @@
           <a:chExt cx="0" cy="0"/>
         </a:xfrm>
       </p:grpSpPr>
+      <p:pic>
+        <p:nvPicPr>
+          <p:cNvPr id="30" name="图片 29" descr="日历&#10;&#10;AI 生成的内容可能不正确。">
+            <a:extLst>
+              <a:ext uri="{FF2B5EF4-FFF2-40B4-BE49-F238E27FC236}">
+                <a16:creationId xmlns:a16="http://schemas.microsoft.com/office/drawing/2014/main" id="{48A5E5A2-EB0A-1BFA-E641-830A6AE9C710}"/>
+              </a:ext>
+            </a:extLst>
+          </p:cNvPr>
+          <p:cNvPicPr>
+            <a:picLocks noChangeAspect="1"/>
+          </p:cNvPicPr>
+          <p:nvPr/>
+        </p:nvPicPr>
+        <p:blipFill>
+          <a:blip r:embed="rId4">
+            <a:extLst>
+              <a:ext uri="{28A0092B-C50C-407E-A947-70E740481C1C}">
+                <a14:useLocalDpi xmlns:a14="http://schemas.microsoft.com/office/drawing/2010/main" val="0"/>
+              </a:ext>
+            </a:extLst>
+          </a:blip>
+          <a:stretch>
+            <a:fillRect/>
+          </a:stretch>
+        </p:blipFill>
+        <p:spPr>
+          <a:xfrm>
+            <a:off x="1394756" y="299601"/>
+            <a:ext cx="9402487" cy="6258798"/>
+          </a:xfrm>
+          <a:prstGeom prst="rect">
+            <a:avLst/>
+          </a:prstGeom>
+        </p:spPr>
+      </p:pic>
+      <p:sp>
+        <p:nvSpPr>
+          <p:cNvPr id="31" name="矩形 30">
+            <a:extLst>
+              <a:ext uri="{FF2B5EF4-FFF2-40B4-BE49-F238E27FC236}">
+                <a16:creationId xmlns:a16="http://schemas.microsoft.com/office/drawing/2014/main" id="{C6CCE9F9-C2B8-307E-7537-5BCF6F49E472}"/>
+              </a:ext>
+            </a:extLst>
+          </p:cNvPr>
+          <p:cNvSpPr/>
+          <p:nvPr/>
+        </p:nvSpPr>
+        <p:spPr>
+          <a:xfrm>
+            <a:off x="3421380" y="1059179"/>
+            <a:ext cx="3749040" cy="2430781"/>
+          </a:xfrm>
+          <a:prstGeom prst="rect">
+            <a:avLst/>
+          </a:prstGeom>
+          <a:noFill/>
+          <a:ln>
+            <a:solidFill>
+              <a:srgbClr val="FF0000"/>
+            </a:solidFill>
+          </a:ln>
+        </p:spPr>
+        <p:style>
+          <a:lnRef idx="2">
+            <a:schemeClr val="accent1">
+              <a:shade val="15000"/>
+            </a:schemeClr>
+          </a:lnRef>
+          <a:fillRef idx="1">
+            <a:schemeClr val="accent1"/>
+          </a:fillRef>
+          <a:effectRef idx="0">
+            <a:schemeClr val="accent1"/>
+          </a:effectRef>
+          <a:fontRef idx="minor">
+            <a:schemeClr val="lt1"/>
+          </a:fontRef>
+        </p:style>
+        <p:txBody>
+          <a:bodyPr rtlCol="0" anchor="ctr"/>
+          <a:lstStyle/>
+          <a:p>
+            <a:pPr algn="ctr"/>
+            <a:endParaRPr lang="zh-CN" altLang="en-US"/>
+          </a:p>
+        </p:txBody>
+      </p:sp>
+    </p:spTree>
+    <p:custDataLst>
+      <p:tags r:id="rId1"/>
+    </p:custDataLst>
+  </p:cSld>
+  <p:clrMapOvr>
+    <a:masterClrMapping/>
+  </p:clrMapOvr>
+</p:sld>
+</file>
+
+<file path=ppt/slides/slide11.xml><?xml version="1.0" encoding="utf-8"?>
+<p:sld xmlns:a="http://schemas.openxmlformats.org/drawingml/2006/main" xmlns:r="http://schemas.openxmlformats.org/officeDocument/2006/relationships" xmlns:p="http://schemas.openxmlformats.org/presentationml/2006/main">
+  <p:cSld>
+    <p:spTree>
+      <p:nvGrpSpPr>
+        <p:cNvPr id="1" name=""/>
+        <p:cNvGrpSpPr/>
+        <p:nvPr/>
+      </p:nvGrpSpPr>
+      <p:grpSpPr>
+        <a:xfrm>
+          <a:off x="0" y="0"/>
+          <a:ext cx="0" cy="0"/>
+          <a:chOff x="0" y="0"/>
+          <a:chExt cx="0" cy="0"/>
+        </a:xfrm>
+      </p:grpSpPr>
       <p:sp>
         <p:nvSpPr>
           <p:cNvPr id="2" name="标题 1">
@@ -5293,6 +5561,145 @@
           </a:prstGeom>
         </p:spPr>
       </p:pic>
+      <p:sp>
+        <p:nvSpPr>
+          <p:cNvPr id="2" name="文本框 1">
+            <a:extLst>
+              <a:ext uri="{FF2B5EF4-FFF2-40B4-BE49-F238E27FC236}">
+                <a16:creationId xmlns:a16="http://schemas.microsoft.com/office/drawing/2014/main" id="{3B61A208-0A2B-3B15-264A-5BE265B80592}"/>
+              </a:ext>
+            </a:extLst>
+          </p:cNvPr>
+          <p:cNvSpPr txBox="1"/>
+          <p:nvPr/>
+        </p:nvSpPr>
+        <p:spPr>
+          <a:xfrm>
+            <a:off x="7566660" y="2438400"/>
+            <a:ext cx="2118360" cy="923330"/>
+          </a:xfrm>
+          <a:prstGeom prst="rect">
+            <a:avLst/>
+          </a:prstGeom>
+          <a:noFill/>
+        </p:spPr>
+        <p:txBody>
+          <a:bodyPr wrap="square" rtlCol="0">
+            <a:spAutoFit/>
+          </a:bodyPr>
+          <a:lstStyle/>
+          <a:p>
+            <a:r>
+              <a:rPr lang="zh-CN" altLang="en-US" dirty="0">
+                <a:solidFill>
+                  <a:srgbClr val="FF0000"/>
+                </a:solidFill>
+              </a:rPr>
+              <a:t>整、半为</a:t>
+            </a:r>
+            <a:r>
+              <a:rPr lang="en-US" altLang="zh-CN" dirty="0">
+                <a:solidFill>
+                  <a:srgbClr val="FF0000"/>
+                </a:solidFill>
+              </a:rPr>
+              <a:t>v</a:t>
+            </a:r>
+          </a:p>
+          <a:p>
+            <a:r>
+              <a:rPr lang="zh-CN" altLang="en-US" dirty="0">
+                <a:solidFill>
+                  <a:srgbClr val="FF0000"/>
+                </a:solidFill>
+              </a:rPr>
+              <a:t>半、整为</a:t>
+            </a:r>
+            <a:r>
+              <a:rPr lang="en-US" altLang="zh-CN" dirty="0">
+                <a:solidFill>
+                  <a:srgbClr val="FF0000"/>
+                </a:solidFill>
+              </a:rPr>
+              <a:t>u</a:t>
+            </a:r>
+          </a:p>
+          <a:p>
+            <a:r>
+              <a:rPr lang="zh-CN" altLang="en-US" dirty="0">
+                <a:solidFill>
+                  <a:srgbClr val="FF0000"/>
+                </a:solidFill>
+              </a:rPr>
+              <a:t>整、整为</a:t>
+            </a:r>
+            <a:r>
+              <a:rPr lang="en-US" altLang="zh-CN" dirty="0">
+                <a:solidFill>
+                  <a:srgbClr val="FF0000"/>
+                </a:solidFill>
+              </a:rPr>
+              <a:t>rho</a:t>
+            </a:r>
+            <a:endParaRPr lang="zh-CN" altLang="en-US" dirty="0">
+              <a:solidFill>
+                <a:srgbClr val="FF0000"/>
+              </a:solidFill>
+            </a:endParaRPr>
+          </a:p>
+        </p:txBody>
+      </p:sp>
+      <mc:AlternateContent xmlns:mc="http://schemas.openxmlformats.org/markup-compatibility/2006">
+        <mc:Choice xmlns:p14="http://schemas.microsoft.com/office/powerpoint/2010/main" Requires="p14">
+          <p:contentPart p14:bwMode="auto" r:id="rId4">
+            <p14:nvContentPartPr>
+              <p14:cNvPr id="3" name="墨迹 2">
+                <a:extLst>
+                  <a:ext uri="{FF2B5EF4-FFF2-40B4-BE49-F238E27FC236}">
+                    <a16:creationId xmlns:a16="http://schemas.microsoft.com/office/drawing/2014/main" id="{650BD55E-3A15-217D-C124-27541DB7F838}"/>
+                  </a:ext>
+                </a:extLst>
+              </p14:cNvPr>
+              <p14:cNvContentPartPr/>
+              <p14:nvPr/>
+            </p14:nvContentPartPr>
+            <p14:xfrm>
+              <a:off x="5819760" y="3943440"/>
+              <a:ext cx="133560" cy="2357640"/>
+            </p14:xfrm>
+          </p:contentPart>
+        </mc:Choice>
+        <mc:Fallback>
+          <p:pic>
+            <p:nvPicPr>
+              <p:cNvPr id="3" name="墨迹 2">
+                <a:extLst>
+                  <a:ext uri="{FF2B5EF4-FFF2-40B4-BE49-F238E27FC236}">
+                    <a16:creationId xmlns:a16="http://schemas.microsoft.com/office/drawing/2014/main" id="{650BD55E-3A15-217D-C124-27541DB7F838}"/>
+                  </a:ext>
+                </a:extLst>
+              </p:cNvPr>
+              <p:cNvPicPr/>
+              <p:nvPr/>
+            </p:nvPicPr>
+            <p:blipFill>
+              <a:blip r:embed="rId5"/>
+              <a:stretch>
+                <a:fillRect/>
+              </a:stretch>
+            </p:blipFill>
+            <p:spPr>
+              <a:xfrm>
+                <a:off x="5810400" y="3934080"/>
+                <a:ext cx="152280" cy="2376360"/>
+              </a:xfrm>
+              <a:prstGeom prst="rect">
+                <a:avLst/>
+              </a:prstGeom>
+            </p:spPr>
+          </p:pic>
+        </mc:Fallback>
+      </mc:AlternateContent>
     </p:spTree>
     <p:extLst>
       <p:ext uri="{BB962C8B-B14F-4D97-AF65-F5344CB8AC3E}">
@@ -5382,6 +5789,36 @@
           </a:xfrm>
         </p:spPr>
       </p:pic>
+      <p:pic>
+        <p:nvPicPr>
+          <p:cNvPr id="4" name="图片 3">
+            <a:extLst>
+              <a:ext uri="{FF2B5EF4-FFF2-40B4-BE49-F238E27FC236}">
+                <a16:creationId xmlns:a16="http://schemas.microsoft.com/office/drawing/2014/main" id="{48AC7EFC-E7D7-6A4F-30B6-E19E0DC3F0D7}"/>
+              </a:ext>
+            </a:extLst>
+          </p:cNvPr>
+          <p:cNvPicPr>
+            <a:picLocks noChangeAspect="1"/>
+          </p:cNvPicPr>
+          <p:nvPr/>
+        </p:nvPicPr>
+        <p:blipFill>
+          <a:blip r:embed="rId3"/>
+          <a:stretch>
+            <a:fillRect/>
+          </a:stretch>
+        </p:blipFill>
+        <p:spPr>
+          <a:xfrm>
+            <a:off x="2090252" y="4867524"/>
+            <a:ext cx="8380952" cy="1990476"/>
+          </a:xfrm>
+          <a:prstGeom prst="rect">
+            <a:avLst/>
+          </a:prstGeom>
+        </p:spPr>
+      </p:pic>
     </p:spTree>
     <p:extLst>
       <p:ext uri="{BB962C8B-B14F-4D97-AF65-F5344CB8AC3E}">
@@ -5396,6 +5833,273 @@
 </file>
 
 <file path=ppt/slides/slide8.xml><?xml version="1.0" encoding="utf-8"?>
+<p:sld xmlns:a="http://schemas.openxmlformats.org/drawingml/2006/main" xmlns:r="http://schemas.openxmlformats.org/officeDocument/2006/relationships" xmlns:p="http://schemas.openxmlformats.org/presentationml/2006/main">
+  <p:cSld>
+    <p:spTree>
+      <p:nvGrpSpPr>
+        <p:cNvPr id="1" name=""/>
+        <p:cNvGrpSpPr/>
+        <p:nvPr/>
+      </p:nvGrpSpPr>
+      <p:grpSpPr>
+        <a:xfrm>
+          <a:off x="0" y="0"/>
+          <a:ext cx="0" cy="0"/>
+          <a:chOff x="0" y="0"/>
+          <a:chExt cx="0" cy="0"/>
+        </a:xfrm>
+      </p:grpSpPr>
+      <p:sp>
+        <p:nvSpPr>
+          <p:cNvPr id="2" name="标题 1">
+            <a:extLst>
+              <a:ext uri="{FF2B5EF4-FFF2-40B4-BE49-F238E27FC236}">
+                <a16:creationId xmlns:a16="http://schemas.microsoft.com/office/drawing/2014/main" id="{D51E0A3D-470F-BE46-A886-587686D2C68D}"/>
+              </a:ext>
+            </a:extLst>
+          </p:cNvPr>
+          <p:cNvSpPr>
+            <a:spLocks noGrp="1"/>
+          </p:cNvSpPr>
+          <p:nvPr>
+            <p:ph type="title"/>
+          </p:nvPr>
+        </p:nvSpPr>
+        <p:spPr/>
+        <p:txBody>
+          <a:bodyPr/>
+          <a:lstStyle/>
+          <a:p>
+            <a:endParaRPr lang="zh-CN" altLang="en-US"/>
+          </a:p>
+        </p:txBody>
+      </p:sp>
+      <p:pic>
+        <p:nvPicPr>
+          <p:cNvPr id="5" name="内容占位符 4">
+            <a:extLst>
+              <a:ext uri="{FF2B5EF4-FFF2-40B4-BE49-F238E27FC236}">
+                <a16:creationId xmlns:a16="http://schemas.microsoft.com/office/drawing/2014/main" id="{D920C986-6FEF-AA5A-4392-4F5D8E69DA93}"/>
+              </a:ext>
+            </a:extLst>
+          </p:cNvPr>
+          <p:cNvPicPr>
+            <a:picLocks noGrp="1" noChangeAspect="1"/>
+          </p:cNvPicPr>
+          <p:nvPr>
+            <p:ph idx="1"/>
+          </p:nvPr>
+        </p:nvPicPr>
+        <p:blipFill>
+          <a:blip r:embed="rId2"/>
+          <a:stretch>
+            <a:fillRect/>
+          </a:stretch>
+        </p:blipFill>
+        <p:spPr>
+          <a:xfrm>
+            <a:off x="1181433" y="265347"/>
+            <a:ext cx="9385790" cy="4351338"/>
+          </a:xfrm>
+        </p:spPr>
+      </p:pic>
+      <p:pic>
+        <p:nvPicPr>
+          <p:cNvPr id="7" name="图片 6">
+            <a:extLst>
+              <a:ext uri="{FF2B5EF4-FFF2-40B4-BE49-F238E27FC236}">
+                <a16:creationId xmlns:a16="http://schemas.microsoft.com/office/drawing/2014/main" id="{21E71C41-429E-0026-4AC1-0DA8876881C7}"/>
+              </a:ext>
+            </a:extLst>
+          </p:cNvPr>
+          <p:cNvPicPr>
+            <a:picLocks noChangeAspect="1"/>
+          </p:cNvPicPr>
+          <p:nvPr/>
+        </p:nvPicPr>
+        <p:blipFill>
+          <a:blip r:embed="rId3"/>
+          <a:stretch>
+            <a:fillRect/>
+          </a:stretch>
+        </p:blipFill>
+        <p:spPr>
+          <a:xfrm>
+            <a:off x="1080651" y="4616685"/>
+            <a:ext cx="9180952" cy="1876190"/>
+          </a:xfrm>
+          <a:prstGeom prst="rect">
+            <a:avLst/>
+          </a:prstGeom>
+        </p:spPr>
+      </p:pic>
+      <mc:AlternateContent xmlns:mc="http://schemas.openxmlformats.org/markup-compatibility/2006">
+        <mc:Choice xmlns:p14="http://schemas.microsoft.com/office/powerpoint/2010/main" Requires="p14">
+          <p:contentPart p14:bwMode="auto" r:id="rId4">
+            <p14:nvContentPartPr>
+              <p14:cNvPr id="8" name="墨迹 7">
+                <a:extLst>
+                  <a:ext uri="{FF2B5EF4-FFF2-40B4-BE49-F238E27FC236}">
+                    <a16:creationId xmlns:a16="http://schemas.microsoft.com/office/drawing/2014/main" id="{F2B40282-6ADB-7003-57F3-4A05B8A2A18A}"/>
+                  </a:ext>
+                </a:extLst>
+              </p14:cNvPr>
+              <p14:cNvContentPartPr/>
+              <p14:nvPr/>
+            </p14:nvContentPartPr>
+            <p14:xfrm>
+              <a:off x="4124160" y="257040"/>
+              <a:ext cx="3691440" cy="1776960"/>
+            </p14:xfrm>
+          </p:contentPart>
+        </mc:Choice>
+        <mc:Fallback>
+          <p:pic>
+            <p:nvPicPr>
+              <p:cNvPr id="8" name="墨迹 7">
+                <a:extLst>
+                  <a:ext uri="{FF2B5EF4-FFF2-40B4-BE49-F238E27FC236}">
+                    <a16:creationId xmlns:a16="http://schemas.microsoft.com/office/drawing/2014/main" id="{F2B40282-6ADB-7003-57F3-4A05B8A2A18A}"/>
+                  </a:ext>
+                </a:extLst>
+              </p:cNvPr>
+              <p:cNvPicPr/>
+              <p:nvPr/>
+            </p:nvPicPr>
+            <p:blipFill>
+              <a:blip r:embed="rId5"/>
+              <a:stretch>
+                <a:fillRect/>
+              </a:stretch>
+            </p:blipFill>
+            <p:spPr>
+              <a:xfrm>
+                <a:off x="4114800" y="247680"/>
+                <a:ext cx="3710160" cy="1795680"/>
+              </a:xfrm>
+              <a:prstGeom prst="rect">
+                <a:avLst/>
+              </a:prstGeom>
+            </p:spPr>
+          </p:pic>
+        </mc:Fallback>
+      </mc:AlternateContent>
+      <mc:AlternateContent xmlns:mc="http://schemas.openxmlformats.org/markup-compatibility/2006">
+        <mc:Choice xmlns:p14="http://schemas.microsoft.com/office/powerpoint/2010/main" Requires="p14">
+          <p:contentPart p14:bwMode="auto" r:id="rId6">
+            <p14:nvContentPartPr>
+              <p14:cNvPr id="10" name="墨迹 9">
+                <a:extLst>
+                  <a:ext uri="{FF2B5EF4-FFF2-40B4-BE49-F238E27FC236}">
+                    <a16:creationId xmlns:a16="http://schemas.microsoft.com/office/drawing/2014/main" id="{C954E84E-A6B7-BD08-5E20-5B86B806FFB7}"/>
+                  </a:ext>
+                </a:extLst>
+              </p14:cNvPr>
+              <p14:cNvContentPartPr/>
+              <p14:nvPr/>
+            </p14:nvContentPartPr>
+            <p14:xfrm>
+              <a:off x="7710480" y="614520"/>
+              <a:ext cx="419400" cy="343080"/>
+            </p14:xfrm>
+          </p:contentPart>
+        </mc:Choice>
+        <mc:Fallback>
+          <p:pic>
+            <p:nvPicPr>
+              <p:cNvPr id="10" name="墨迹 9">
+                <a:extLst>
+                  <a:ext uri="{FF2B5EF4-FFF2-40B4-BE49-F238E27FC236}">
+                    <a16:creationId xmlns:a16="http://schemas.microsoft.com/office/drawing/2014/main" id="{C954E84E-A6B7-BD08-5E20-5B86B806FFB7}"/>
+                  </a:ext>
+                </a:extLst>
+              </p:cNvPr>
+              <p:cNvPicPr/>
+              <p:nvPr/>
+            </p:nvPicPr>
+            <p:blipFill>
+              <a:blip r:embed="rId7"/>
+              <a:stretch>
+                <a:fillRect/>
+              </a:stretch>
+            </p:blipFill>
+            <p:spPr>
+              <a:xfrm>
+                <a:off x="7701120" y="605160"/>
+                <a:ext cx="438120" cy="361800"/>
+              </a:xfrm>
+              <a:prstGeom prst="rect">
+                <a:avLst/>
+              </a:prstGeom>
+            </p:spPr>
+          </p:pic>
+        </mc:Fallback>
+      </mc:AlternateContent>
+      <mc:AlternateContent xmlns:mc="http://schemas.openxmlformats.org/markup-compatibility/2006">
+        <mc:Choice xmlns:p14="http://schemas.microsoft.com/office/powerpoint/2010/main" Requires="p14">
+          <p:contentPart p14:bwMode="auto" r:id="rId8">
+            <p14:nvContentPartPr>
+              <p14:cNvPr id="11" name="墨迹 10">
+                <a:extLst>
+                  <a:ext uri="{FF2B5EF4-FFF2-40B4-BE49-F238E27FC236}">
+                    <a16:creationId xmlns:a16="http://schemas.microsoft.com/office/drawing/2014/main" id="{03997E42-03CD-75C6-4A39-A64E0B6260D2}"/>
+                  </a:ext>
+                </a:extLst>
+              </p14:cNvPr>
+              <p14:cNvContentPartPr/>
+              <p14:nvPr/>
+            </p14:nvContentPartPr>
+            <p14:xfrm>
+              <a:off x="3695760" y="1009800"/>
+              <a:ext cx="4748400" cy="686160"/>
+            </p14:xfrm>
+          </p:contentPart>
+        </mc:Choice>
+        <mc:Fallback>
+          <p:pic>
+            <p:nvPicPr>
+              <p:cNvPr id="11" name="墨迹 10">
+                <a:extLst>
+                  <a:ext uri="{FF2B5EF4-FFF2-40B4-BE49-F238E27FC236}">
+                    <a16:creationId xmlns:a16="http://schemas.microsoft.com/office/drawing/2014/main" id="{03997E42-03CD-75C6-4A39-A64E0B6260D2}"/>
+                  </a:ext>
+                </a:extLst>
+              </p:cNvPr>
+              <p:cNvPicPr/>
+              <p:nvPr/>
+            </p:nvPicPr>
+            <p:blipFill>
+              <a:blip r:embed="rId9"/>
+              <a:stretch>
+                <a:fillRect/>
+              </a:stretch>
+            </p:blipFill>
+            <p:spPr>
+              <a:xfrm>
+                <a:off x="3686400" y="1000440"/>
+                <a:ext cx="4767120" cy="704880"/>
+              </a:xfrm>
+              <a:prstGeom prst="rect">
+                <a:avLst/>
+              </a:prstGeom>
+            </p:spPr>
+          </p:pic>
+        </mc:Fallback>
+      </mc:AlternateContent>
+    </p:spTree>
+    <p:extLst>
+      <p:ext uri="{BB962C8B-B14F-4D97-AF65-F5344CB8AC3E}">
+        <p14:creationId xmlns:p14="http://schemas.microsoft.com/office/powerpoint/2010/main" val="1618441272"/>
+      </p:ext>
+    </p:extLst>
+  </p:cSld>
+  <p:clrMapOvr>
+    <a:masterClrMapping/>
+  </p:clrMapOvr>
+</p:sld>
+</file>
+
+<file path=ppt/slides/slide9.xml><?xml version="1.0" encoding="utf-8"?>
 <p:sld xmlns:a="http://schemas.openxmlformats.org/drawingml/2006/main" xmlns:r="http://schemas.openxmlformats.org/officeDocument/2006/relationships" xmlns:p="http://schemas.openxmlformats.org/presentationml/2006/main">
   <p:cSld>
     <p:spTree>
@@ -5538,91 +6242,12 @@
           </a:p>
         </p:txBody>
       </p:sp>
-      <mc:AlternateContent xmlns:mc="http://schemas.openxmlformats.org/markup-compatibility/2006">
-        <mc:Choice xmlns:p14="http://schemas.microsoft.com/office/powerpoint/2010/main" Requires="p14">
-          <p:contentPart p14:bwMode="auto" r:id="rId5">
-            <p14:nvContentPartPr>
-              <p14:cNvPr id="6" name="墨迹 5">
-                <a:extLst>
-                  <a:ext uri="{FF2B5EF4-FFF2-40B4-BE49-F238E27FC236}">
-                    <a16:creationId xmlns:a16="http://schemas.microsoft.com/office/drawing/2014/main" id="{C234D343-D66C-E9D8-2897-0B62A253216C}"/>
-                  </a:ext>
-                </a:extLst>
-              </p14:cNvPr>
-              <p14:cNvContentPartPr/>
-              <p14:nvPr/>
-            </p14:nvContentPartPr>
-            <p14:xfrm>
-              <a:off x="237960" y="147600"/>
-              <a:ext cx="7610760" cy="6258240"/>
-            </p14:xfrm>
-          </p:contentPart>
-        </mc:Choice>
-        <mc:Fallback>
-          <p:pic>
-            <p:nvPicPr>
-              <p:cNvPr id="6" name="墨迹 5">
-                <a:extLst>
-                  <a:ext uri="{FF2B5EF4-FFF2-40B4-BE49-F238E27FC236}">
-                    <a16:creationId xmlns:a16="http://schemas.microsoft.com/office/drawing/2014/main" id="{C234D343-D66C-E9D8-2897-0B62A253216C}"/>
-                  </a:ext>
-                </a:extLst>
-              </p:cNvPr>
-              <p:cNvPicPr/>
-              <p:nvPr/>
-            </p:nvPicPr>
-            <p:blipFill>
-              <a:blip r:embed="rId6"/>
-              <a:stretch>
-                <a:fillRect/>
-              </a:stretch>
-            </p:blipFill>
-            <p:spPr>
-              <a:xfrm>
-                <a:off x="228600" y="138240"/>
-                <a:ext cx="7629480" cy="6276960"/>
-              </a:xfrm>
-              <a:prstGeom prst="rect">
-                <a:avLst/>
-              </a:prstGeom>
-            </p:spPr>
-          </p:pic>
-        </mc:Fallback>
-      </mc:AlternateContent>
-    </p:spTree>
-    <p:custDataLst>
-      <p:tags r:id="rId1"/>
-    </p:custDataLst>
-  </p:cSld>
-  <p:clrMapOvr>
-    <a:masterClrMapping/>
-  </p:clrMapOvr>
-</p:sld>
-</file>
-
-<file path=ppt/slides/slide9.xml><?xml version="1.0" encoding="utf-8"?>
-<p:sld xmlns:a="http://schemas.openxmlformats.org/drawingml/2006/main" xmlns:r="http://schemas.openxmlformats.org/officeDocument/2006/relationships" xmlns:p="http://schemas.openxmlformats.org/presentationml/2006/main">
-  <p:cSld>
-    <p:spTree>
-      <p:nvGrpSpPr>
-        <p:cNvPr id="1" name=""/>
-        <p:cNvGrpSpPr/>
-        <p:nvPr/>
-      </p:nvGrpSpPr>
-      <p:grpSpPr>
-        <a:xfrm>
-          <a:off x="0" y="0"/>
-          <a:ext cx="0" cy="0"/>
-          <a:chOff x="0" y="0"/>
-          <a:chExt cx="0" cy="0"/>
-        </a:xfrm>
-      </p:grpSpPr>
       <p:pic>
         <p:nvPicPr>
-          <p:cNvPr id="30" name="图片 29" descr="日历&#10;&#10;AI 生成的内容可能不正确。">
-            <a:extLst>
-              <a:ext uri="{FF2B5EF4-FFF2-40B4-BE49-F238E27FC236}">
-                <a16:creationId xmlns:a16="http://schemas.microsoft.com/office/drawing/2014/main" id="{48A5E5A2-EB0A-1BFA-E641-830A6AE9C710}"/>
+          <p:cNvPr id="8" name="图片 7">
+            <a:extLst>
+              <a:ext uri="{FF2B5EF4-FFF2-40B4-BE49-F238E27FC236}">
+                <a16:creationId xmlns:a16="http://schemas.microsoft.com/office/drawing/2014/main" id="{0718BE5A-3F58-979C-826E-CFAFC4DDC426}"/>
               </a:ext>
             </a:extLst>
           </p:cNvPr>
@@ -5632,21 +6257,15 @@
           <p:nvPr/>
         </p:nvPicPr>
         <p:blipFill>
-          <a:blip r:embed="rId4">
-            <a:extLst>
-              <a:ext uri="{28A0092B-C50C-407E-A947-70E740481C1C}">
-                <a14:useLocalDpi xmlns:a14="http://schemas.microsoft.com/office/drawing/2010/main" val="0"/>
-              </a:ext>
-            </a:extLst>
-          </a:blip>
+          <a:blip r:embed="rId5"/>
           <a:stretch>
             <a:fillRect/>
           </a:stretch>
         </p:blipFill>
         <p:spPr>
           <a:xfrm>
-            <a:off x="1394756" y="299601"/>
-            <a:ext cx="9402487" cy="6258798"/>
+            <a:off x="6973405" y="147600"/>
+            <a:ext cx="5191714" cy="3788872"/>
           </a:xfrm>
           <a:prstGeom prst="rect">
             <a:avLst/>
@@ -5655,10 +6274,10 @@
       </p:pic>
       <p:sp>
         <p:nvSpPr>
-          <p:cNvPr id="31" name="矩形 30">
-            <a:extLst>
-              <a:ext uri="{FF2B5EF4-FFF2-40B4-BE49-F238E27FC236}">
-                <a16:creationId xmlns:a16="http://schemas.microsoft.com/office/drawing/2014/main" id="{C6CCE9F9-C2B8-307E-7537-5BCF6F49E472}"/>
+          <p:cNvPr id="9" name="矩形 8">
+            <a:extLst>
+              <a:ext uri="{FF2B5EF4-FFF2-40B4-BE49-F238E27FC236}">
+                <a16:creationId xmlns:a16="http://schemas.microsoft.com/office/drawing/2014/main" id="{722D28F6-5C3E-4724-CAAC-02AEE3DB3CD7}"/>
               </a:ext>
             </a:extLst>
           </p:cNvPr>
@@ -5667,8 +6286,8 @@
         </p:nvSpPr>
         <p:spPr>
           <a:xfrm>
-            <a:off x="3421380" y="1059179"/>
-            <a:ext cx="3749040" cy="2430781"/>
+            <a:off x="987552" y="452160"/>
+            <a:ext cx="458889" cy="3310128"/>
           </a:xfrm>
           <a:prstGeom prst="rect">
             <a:avLst/>
@@ -5705,6 +6324,57 @@
           </a:p>
         </p:txBody>
       </p:sp>
+      <mc:AlternateContent xmlns:mc="http://schemas.openxmlformats.org/markup-compatibility/2006">
+        <mc:Choice xmlns:p14="http://schemas.microsoft.com/office/powerpoint/2010/main" Requires="p14">
+          <p:contentPart p14:bwMode="auto" r:id="rId6">
+            <p14:nvContentPartPr>
+              <p14:cNvPr id="10" name="墨迹 9">
+                <a:extLst>
+                  <a:ext uri="{FF2B5EF4-FFF2-40B4-BE49-F238E27FC236}">
+                    <a16:creationId xmlns:a16="http://schemas.microsoft.com/office/drawing/2014/main" id="{27A24392-09D0-2F98-3C99-3446DEAF43F7}"/>
+                  </a:ext>
+                </a:extLst>
+              </p14:cNvPr>
+              <p14:cNvContentPartPr/>
+              <p14:nvPr/>
+            </p14:nvContentPartPr>
+            <p14:xfrm>
+              <a:off x="357120" y="38160"/>
+              <a:ext cx="6548760" cy="3886560"/>
+            </p14:xfrm>
+          </p:contentPart>
+        </mc:Choice>
+        <mc:Fallback>
+          <p:pic>
+            <p:nvPicPr>
+              <p:cNvPr id="10" name="墨迹 9">
+                <a:extLst>
+                  <a:ext uri="{FF2B5EF4-FFF2-40B4-BE49-F238E27FC236}">
+                    <a16:creationId xmlns:a16="http://schemas.microsoft.com/office/drawing/2014/main" id="{27A24392-09D0-2F98-3C99-3446DEAF43F7}"/>
+                  </a:ext>
+                </a:extLst>
+              </p:cNvPr>
+              <p:cNvPicPr/>
+              <p:nvPr/>
+            </p:nvPicPr>
+            <p:blipFill>
+              <a:blip r:embed="rId7"/>
+              <a:stretch>
+                <a:fillRect/>
+              </a:stretch>
+            </p:blipFill>
+            <p:spPr>
+              <a:xfrm>
+                <a:off x="347760" y="28800"/>
+                <a:ext cx="6567480" cy="3905280"/>
+              </a:xfrm>
+              <a:prstGeom prst="rect">
+                <a:avLst/>
+              </a:prstGeom>
+            </p:spPr>
+          </p:pic>
+        </mc:Fallback>
+      </mc:AlternateContent>
     </p:spTree>
     <p:custDataLst>
       <p:tags r:id="rId1"/>
